--- a/IKTIB_ITA_YuFU.pptx
+++ b/IKTIB_ITA_YuFU.pptx
@@ -5,7 +5,7 @@
     <p:sldMasterId id="2147483648" r:id="rId1"/>
   </p:sldMasterIdLst>
   <p:notesMasterIdLst>
-    <p:notesMasterId r:id="rId26"/>
+    <p:notesMasterId r:id="rId29"/>
   </p:notesMasterIdLst>
   <p:sldIdLst>
     <p:sldId id="261" r:id="rId2"/>
@@ -20,18 +20,21 @@
     <p:sldId id="264" r:id="rId11"/>
     <p:sldId id="265" r:id="rId12"/>
     <p:sldId id="272" r:id="rId13"/>
-    <p:sldId id="270" r:id="rId14"/>
-    <p:sldId id="284" r:id="rId15"/>
-    <p:sldId id="285" r:id="rId16"/>
-    <p:sldId id="286" r:id="rId17"/>
-    <p:sldId id="282" r:id="rId18"/>
-    <p:sldId id="271" r:id="rId19"/>
-    <p:sldId id="283" r:id="rId20"/>
-    <p:sldId id="277" r:id="rId21"/>
-    <p:sldId id="278" r:id="rId22"/>
-    <p:sldId id="279" r:id="rId23"/>
-    <p:sldId id="280" r:id="rId24"/>
-    <p:sldId id="281" r:id="rId25"/>
+    <p:sldId id="287" r:id="rId14"/>
+    <p:sldId id="289" r:id="rId15"/>
+    <p:sldId id="270" r:id="rId16"/>
+    <p:sldId id="284" r:id="rId17"/>
+    <p:sldId id="285" r:id="rId18"/>
+    <p:sldId id="286" r:id="rId19"/>
+    <p:sldId id="282" r:id="rId20"/>
+    <p:sldId id="271" r:id="rId21"/>
+    <p:sldId id="283" r:id="rId22"/>
+    <p:sldId id="288" r:id="rId23"/>
+    <p:sldId id="277" r:id="rId24"/>
+    <p:sldId id="278" r:id="rId25"/>
+    <p:sldId id="279" r:id="rId26"/>
+    <p:sldId id="280" r:id="rId27"/>
+    <p:sldId id="281" r:id="rId28"/>
   </p:sldIdLst>
   <p:sldSz cx="9144000" cy="6858000" type="screen4x3"/>
   <p:notesSz cx="6858000" cy="9144000"/>
@@ -6453,6 +6456,490 @@
         </p:nvSpPr>
         <p:spPr>
           <a:xfrm>
+            <a:off x="0" y="-5744"/>
+            <a:ext cx="9144000" cy="6858000"/>
+          </a:xfrm>
+          <a:prstGeom prst="rect">
+            <a:avLst/>
+          </a:prstGeom>
+        </p:spPr>
+        <p:style>
+          <a:lnRef idx="2">
+            <a:schemeClr val="dk1">
+              <a:shade val="50000"/>
+            </a:schemeClr>
+          </a:lnRef>
+          <a:fillRef idx="1">
+            <a:schemeClr val="dk1"/>
+          </a:fillRef>
+          <a:effectRef idx="0">
+            <a:schemeClr val="dk1"/>
+          </a:effectRef>
+          <a:fontRef idx="minor">
+            <a:schemeClr val="lt1"/>
+          </a:fontRef>
+        </p:style>
+        <p:txBody>
+          <a:bodyPr rtlCol="0" anchor="ctr"/>
+          <a:lstStyle/>
+          <a:p>
+            <a:pPr algn="ctr"/>
+            <a:endParaRPr lang="ru-RU" sz="6600" dirty="0">
+              <a:solidFill>
+                <a:srgbClr val="FF0000"/>
+              </a:solidFill>
+              <a:latin typeface="Bahnschrift Condensed" panose="020B0502040204020203" pitchFamily="34" charset="0"/>
+            </a:endParaRPr>
+          </a:p>
+        </p:txBody>
+      </p:sp>
+      <p:pic>
+        <p:nvPicPr>
+          <p:cNvPr id="3" name="Picture 2" descr="C:\Users\асус\Desktop\HUCKUNIVERSITY_2019\иконки\18л.png"/>
+          <p:cNvPicPr>
+            <a:picLocks noChangeAspect="1" noChangeArrowheads="1"/>
+          </p:cNvPicPr>
+          <p:nvPr/>
+        </p:nvPicPr>
+        <p:blipFill rotWithShape="1">
+          <a:blip r:embed="rId2" cstate="print">
+            <a:extLst>
+              <a:ext uri="{28A0092B-C50C-407E-A947-70E740481C1C}">
+                <a14:useLocalDpi xmlns:a14="http://schemas.microsoft.com/office/drawing/2010/main" val="0"/>
+              </a:ext>
+            </a:extLst>
+          </a:blip>
+          <a:srcRect l="17698" r="16502"/>
+          <a:stretch/>
+        </p:blipFill>
+        <p:spPr bwMode="auto">
+          <a:xfrm>
+            <a:off x="173736" y="998275"/>
+            <a:ext cx="3191256" cy="4849961"/>
+          </a:xfrm>
+          <a:prstGeom prst="rect">
+            <a:avLst/>
+          </a:prstGeom>
+          <a:noFill/>
+          <a:extLst>
+            <a:ext uri="{909E8E84-426E-40DD-AFC4-6F175D3DCCD1}">
+              <a14:hiddenFill xmlns:a14="http://schemas.microsoft.com/office/drawing/2010/main">
+                <a:solidFill>
+                  <a:srgbClr val="FFFFFF"/>
+                </a:solidFill>
+              </a14:hiddenFill>
+            </a:ext>
+          </a:extLst>
+        </p:spPr>
+      </p:pic>
+      <p:pic>
+        <p:nvPicPr>
+          <p:cNvPr id="4100" name="Picture 4" descr="C:\Users\асус\Desktop\HUCKUNIVERSITY_2019\скринй\wmvTYVqnolE.jpg"/>
+          <p:cNvPicPr>
+            <a:picLocks noChangeAspect="1" noChangeArrowheads="1"/>
+          </p:cNvPicPr>
+          <p:nvPr/>
+        </p:nvPicPr>
+        <p:blipFill>
+          <a:blip r:embed="rId3" cstate="print">
+            <a:extLst>
+              <a:ext uri="{28A0092B-C50C-407E-A947-70E740481C1C}">
+                <a14:useLocalDpi xmlns:a14="http://schemas.microsoft.com/office/drawing/2010/main" val="0"/>
+              </a:ext>
+            </a:extLst>
+          </a:blip>
+          <a:srcRect/>
+          <a:stretch>
+            <a:fillRect/>
+          </a:stretch>
+        </p:blipFill>
+        <p:spPr bwMode="auto">
+          <a:xfrm>
+            <a:off x="539552" y="1700808"/>
+            <a:ext cx="2376263" cy="3456384"/>
+          </a:xfrm>
+          <a:prstGeom prst="rect">
+            <a:avLst/>
+          </a:prstGeom>
+          <a:noFill/>
+          <a:extLst>
+            <a:ext uri="{909E8E84-426E-40DD-AFC4-6F175D3DCCD1}">
+              <a14:hiddenFill xmlns:a14="http://schemas.microsoft.com/office/drawing/2010/main">
+                <a:solidFill>
+                  <a:srgbClr val="FFFFFF"/>
+                </a:solidFill>
+              </a14:hiddenFill>
+            </a:ext>
+          </a:extLst>
+        </p:spPr>
+      </p:pic>
+      <p:pic>
+        <p:nvPicPr>
+          <p:cNvPr id="9" name="Picture 2" descr="C:\Users\асус\Desktop\HUCKUNIVERSITY_2019\иконки\18л.png"/>
+          <p:cNvPicPr>
+            <a:picLocks noChangeAspect="1" noChangeArrowheads="1"/>
+          </p:cNvPicPr>
+          <p:nvPr/>
+        </p:nvPicPr>
+        <p:blipFill rotWithShape="1">
+          <a:blip r:embed="rId2" cstate="print">
+            <a:extLst>
+              <a:ext uri="{28A0092B-C50C-407E-A947-70E740481C1C}">
+                <a14:useLocalDpi xmlns:a14="http://schemas.microsoft.com/office/drawing/2010/main" val="0"/>
+              </a:ext>
+            </a:extLst>
+          </a:blip>
+          <a:srcRect l="17698" r="16502"/>
+          <a:stretch/>
+        </p:blipFill>
+        <p:spPr bwMode="auto">
+          <a:xfrm>
+            <a:off x="2976372" y="1004019"/>
+            <a:ext cx="3191256" cy="4849961"/>
+          </a:xfrm>
+          <a:prstGeom prst="rect">
+            <a:avLst/>
+          </a:prstGeom>
+          <a:noFill/>
+          <a:extLst>
+            <a:ext uri="{909E8E84-426E-40DD-AFC4-6F175D3DCCD1}">
+              <a14:hiddenFill xmlns:a14="http://schemas.microsoft.com/office/drawing/2010/main">
+                <a:solidFill>
+                  <a:srgbClr val="FFFFFF"/>
+                </a:solidFill>
+              </a14:hiddenFill>
+            </a:ext>
+          </a:extLst>
+        </p:spPr>
+      </p:pic>
+      <p:pic>
+        <p:nvPicPr>
+          <p:cNvPr id="10" name="Picture 2" descr="C:\Users\асус\Desktop\HUCKUNIVERSITY_2019\иконки\18л.png"/>
+          <p:cNvPicPr>
+            <a:picLocks noChangeAspect="1" noChangeArrowheads="1"/>
+          </p:cNvPicPr>
+          <p:nvPr/>
+        </p:nvPicPr>
+        <p:blipFill rotWithShape="1">
+          <a:blip r:embed="rId2" cstate="print">
+            <a:extLst>
+              <a:ext uri="{28A0092B-C50C-407E-A947-70E740481C1C}">
+                <a14:useLocalDpi xmlns:a14="http://schemas.microsoft.com/office/drawing/2010/main" val="0"/>
+              </a:ext>
+            </a:extLst>
+          </a:blip>
+          <a:srcRect l="17698" r="16502"/>
+          <a:stretch/>
+        </p:blipFill>
+        <p:spPr bwMode="auto">
+          <a:xfrm>
+            <a:off x="5796136" y="1004019"/>
+            <a:ext cx="3191256" cy="4849961"/>
+          </a:xfrm>
+          <a:prstGeom prst="rect">
+            <a:avLst/>
+          </a:prstGeom>
+          <a:noFill/>
+          <a:extLst>
+            <a:ext uri="{909E8E84-426E-40DD-AFC4-6F175D3DCCD1}">
+              <a14:hiddenFill xmlns:a14="http://schemas.microsoft.com/office/drawing/2010/main">
+                <a:solidFill>
+                  <a:srgbClr val="FFFFFF"/>
+                </a:solidFill>
+              </a14:hiddenFill>
+            </a:ext>
+          </a:extLst>
+        </p:spPr>
+      </p:pic>
+      <p:pic>
+        <p:nvPicPr>
+          <p:cNvPr id="4101" name="Picture 5" descr="C:\Users\асус\Desktop\HUCKUNIVERSITY_2019\скринй\1.jpg"/>
+          <p:cNvPicPr>
+            <a:picLocks noChangeAspect="1" noChangeArrowheads="1"/>
+          </p:cNvPicPr>
+          <p:nvPr/>
+        </p:nvPicPr>
+        <p:blipFill>
+          <a:blip r:embed="rId4" cstate="print">
+            <a:extLst>
+              <a:ext uri="{28A0092B-C50C-407E-A947-70E740481C1C}">
+                <a14:useLocalDpi xmlns:a14="http://schemas.microsoft.com/office/drawing/2010/main" val="0"/>
+              </a:ext>
+            </a:extLst>
+          </a:blip>
+          <a:srcRect/>
+          <a:stretch>
+            <a:fillRect/>
+          </a:stretch>
+        </p:blipFill>
+        <p:spPr bwMode="auto">
+          <a:xfrm>
+            <a:off x="3364992" y="1740782"/>
+            <a:ext cx="2359136" cy="3416409"/>
+          </a:xfrm>
+          <a:prstGeom prst="rect">
+            <a:avLst/>
+          </a:prstGeom>
+          <a:noFill/>
+          <a:extLst>
+            <a:ext uri="{909E8E84-426E-40DD-AFC4-6F175D3DCCD1}">
+              <a14:hiddenFill xmlns:a14="http://schemas.microsoft.com/office/drawing/2010/main">
+                <a:solidFill>
+                  <a:srgbClr val="FFFFFF"/>
+                </a:solidFill>
+              </a14:hiddenFill>
+            </a:ext>
+          </a:extLst>
+        </p:spPr>
+      </p:pic>
+      <p:pic>
+        <p:nvPicPr>
+          <p:cNvPr id="4102" name="Picture 6" descr="C:\Users\асус\Desktop\HUCKUNIVERSITY_2019\скринй\kpqsbGF4NYE.jpg"/>
+          <p:cNvPicPr>
+            <a:picLocks noChangeAspect="1" noChangeArrowheads="1"/>
+          </p:cNvPicPr>
+          <p:nvPr/>
+        </p:nvPicPr>
+        <p:blipFill>
+          <a:blip r:embed="rId5" cstate="print">
+            <a:extLst>
+              <a:ext uri="{28A0092B-C50C-407E-A947-70E740481C1C}">
+                <a14:useLocalDpi xmlns:a14="http://schemas.microsoft.com/office/drawing/2010/main" val="0"/>
+              </a:ext>
+            </a:extLst>
+          </a:blip>
+          <a:srcRect/>
+          <a:stretch>
+            <a:fillRect/>
+          </a:stretch>
+        </p:blipFill>
+        <p:spPr bwMode="auto">
+          <a:xfrm>
+            <a:off x="6175651" y="1700808"/>
+            <a:ext cx="2356789" cy="3421763"/>
+          </a:xfrm>
+          <a:prstGeom prst="rect">
+            <a:avLst/>
+          </a:prstGeom>
+          <a:noFill/>
+          <a:extLst>
+            <a:ext uri="{909E8E84-426E-40DD-AFC4-6F175D3DCCD1}">
+              <a14:hiddenFill xmlns:a14="http://schemas.microsoft.com/office/drawing/2010/main">
+                <a:solidFill>
+                  <a:srgbClr val="FFFFFF"/>
+                </a:solidFill>
+              </a14:hiddenFill>
+            </a:ext>
+          </a:extLst>
+        </p:spPr>
+      </p:pic>
+    </p:spTree>
+    <p:extLst>
+      <p:ext uri="{BB962C8B-B14F-4D97-AF65-F5344CB8AC3E}">
+        <p14:creationId xmlns:p14="http://schemas.microsoft.com/office/powerpoint/2010/main" val="2801646256"/>
+      </p:ext>
+    </p:extLst>
+  </p:cSld>
+  <p:clrMapOvr>
+    <a:masterClrMapping/>
+  </p:clrMapOvr>
+  <p:timing>
+    <p:tnLst>
+      <p:par>
+        <p:cTn id="1" dur="indefinite" restart="never" nodeType="tmRoot"/>
+      </p:par>
+    </p:tnLst>
+  </p:timing>
+</p:sld>
+</file>
+
+<file path=ppt/slides/slide14.xml><?xml version="1.0" encoding="utf-8"?>
+<p:sld xmlns:a="http://schemas.openxmlformats.org/drawingml/2006/main" xmlns:r="http://schemas.openxmlformats.org/officeDocument/2006/relationships" xmlns:p="http://schemas.openxmlformats.org/presentationml/2006/main">
+  <p:cSld>
+    <p:spTree>
+      <p:nvGrpSpPr>
+        <p:cNvPr id="1" name=""/>
+        <p:cNvGrpSpPr/>
+        <p:nvPr/>
+      </p:nvGrpSpPr>
+      <p:grpSpPr>
+        <a:xfrm>
+          <a:off x="0" y="0"/>
+          <a:ext cx="0" cy="0"/>
+          <a:chOff x="0" y="0"/>
+          <a:chExt cx="0" cy="0"/>
+        </a:xfrm>
+      </p:grpSpPr>
+      <p:sp>
+        <p:nvSpPr>
+          <p:cNvPr id="2" name="Прямоугольник 1"/>
+          <p:cNvSpPr/>
+          <p:nvPr/>
+        </p:nvSpPr>
+        <p:spPr>
+          <a:xfrm>
+            <a:off x="0" y="-5744"/>
+            <a:ext cx="9144000" cy="6858000"/>
+          </a:xfrm>
+          <a:prstGeom prst="rect">
+            <a:avLst/>
+          </a:prstGeom>
+        </p:spPr>
+        <p:style>
+          <a:lnRef idx="2">
+            <a:schemeClr val="dk1">
+              <a:shade val="50000"/>
+            </a:schemeClr>
+          </a:lnRef>
+          <a:fillRef idx="1">
+            <a:schemeClr val="dk1"/>
+          </a:fillRef>
+          <a:effectRef idx="0">
+            <a:schemeClr val="dk1"/>
+          </a:effectRef>
+          <a:fontRef idx="minor">
+            <a:schemeClr val="lt1"/>
+          </a:fontRef>
+        </p:style>
+        <p:txBody>
+          <a:bodyPr rtlCol="0" anchor="ctr"/>
+          <a:lstStyle/>
+          <a:p>
+            <a:pPr algn="ctr"/>
+            <a:endParaRPr lang="ru-RU" sz="6600" dirty="0">
+              <a:solidFill>
+                <a:srgbClr val="FF0000"/>
+              </a:solidFill>
+              <a:latin typeface="Bahnschrift Condensed" panose="020B0502040204020203" pitchFamily="34" charset="0"/>
+            </a:endParaRPr>
+          </a:p>
+        </p:txBody>
+      </p:sp>
+      <p:pic>
+        <p:nvPicPr>
+          <p:cNvPr id="5122" name="Picture 2" descr="C:\Users\асус\Desktop\HUCKUNIVERSITY_2019\скринй\oAZBBvot2aY.jpg"/>
+          <p:cNvPicPr>
+            <a:picLocks noChangeAspect="1" noChangeArrowheads="1"/>
+          </p:cNvPicPr>
+          <p:nvPr/>
+        </p:nvPicPr>
+        <p:blipFill rotWithShape="1">
+          <a:blip r:embed="rId2" cstate="print">
+            <a:extLst>
+              <a:ext uri="{28A0092B-C50C-407E-A947-70E740481C1C}">
+                <a14:useLocalDpi xmlns:a14="http://schemas.microsoft.com/office/drawing/2010/main" val="0"/>
+              </a:ext>
+            </a:extLst>
+          </a:blip>
+          <a:srcRect t="28636"/>
+          <a:stretch/>
+        </p:blipFill>
+        <p:spPr bwMode="auto">
+          <a:xfrm>
+            <a:off x="251520" y="1468340"/>
+            <a:ext cx="3074136" cy="3900173"/>
+          </a:xfrm>
+          <a:prstGeom prst="rect">
+            <a:avLst/>
+          </a:prstGeom>
+          <a:noFill/>
+          <a:extLst>
+            <a:ext uri="{909E8E84-426E-40DD-AFC4-6F175D3DCCD1}">
+              <a14:hiddenFill xmlns:a14="http://schemas.microsoft.com/office/drawing/2010/main">
+                <a:solidFill>
+                  <a:srgbClr val="FFFFFF"/>
+                </a:solidFill>
+              </a14:hiddenFill>
+            </a:ext>
+          </a:extLst>
+        </p:spPr>
+      </p:pic>
+      <p:pic>
+        <p:nvPicPr>
+          <p:cNvPr id="5123" name="Picture 3" descr="C:\Users\асус\Desktop\HUCKUNIVERSITY_2019\скринй\Kk5jOHR-phs.jpg"/>
+          <p:cNvPicPr>
+            <a:picLocks noChangeAspect="1" noChangeArrowheads="1"/>
+          </p:cNvPicPr>
+          <p:nvPr/>
+        </p:nvPicPr>
+        <p:blipFill>
+          <a:blip r:embed="rId3" cstate="print">
+            <a:extLst>
+              <a:ext uri="{28A0092B-C50C-407E-A947-70E740481C1C}">
+                <a14:useLocalDpi xmlns:a14="http://schemas.microsoft.com/office/drawing/2010/main" val="0"/>
+              </a:ext>
+            </a:extLst>
+          </a:blip>
+          <a:srcRect/>
+          <a:stretch>
+            <a:fillRect/>
+          </a:stretch>
+        </p:blipFill>
+        <p:spPr bwMode="auto">
+          <a:xfrm rot="16200000">
+            <a:off x="4633451" y="738731"/>
+            <a:ext cx="3014656" cy="5359389"/>
+          </a:xfrm>
+          <a:prstGeom prst="rect">
+            <a:avLst/>
+          </a:prstGeom>
+          <a:noFill/>
+          <a:extLst>
+            <a:ext uri="{909E8E84-426E-40DD-AFC4-6F175D3DCCD1}">
+              <a14:hiddenFill xmlns:a14="http://schemas.microsoft.com/office/drawing/2010/main">
+                <a:solidFill>
+                  <a:srgbClr val="FFFFFF"/>
+                </a:solidFill>
+              </a14:hiddenFill>
+            </a:ext>
+          </a:extLst>
+        </p:spPr>
+      </p:pic>
+    </p:spTree>
+    <p:extLst>
+      <p:ext uri="{BB962C8B-B14F-4D97-AF65-F5344CB8AC3E}">
+        <p14:creationId xmlns:p14="http://schemas.microsoft.com/office/powerpoint/2010/main" val="2261088876"/>
+      </p:ext>
+    </p:extLst>
+  </p:cSld>
+  <p:clrMapOvr>
+    <a:masterClrMapping/>
+  </p:clrMapOvr>
+  <p:timing>
+    <p:tnLst>
+      <p:par>
+        <p:cTn id="1" dur="indefinite" restart="never" nodeType="tmRoot"/>
+      </p:par>
+    </p:tnLst>
+  </p:timing>
+</p:sld>
+</file>
+
+<file path=ppt/slides/slide15.xml><?xml version="1.0" encoding="utf-8"?>
+<p:sld xmlns:a="http://schemas.openxmlformats.org/drawingml/2006/main" xmlns:r="http://schemas.openxmlformats.org/officeDocument/2006/relationships" xmlns:p="http://schemas.openxmlformats.org/presentationml/2006/main">
+  <p:cSld>
+    <p:spTree>
+      <p:nvGrpSpPr>
+        <p:cNvPr id="1" name=""/>
+        <p:cNvGrpSpPr/>
+        <p:nvPr/>
+      </p:nvGrpSpPr>
+      <p:grpSpPr>
+        <a:xfrm>
+          <a:off x="0" y="0"/>
+          <a:ext cx="0" cy="0"/>
+          <a:chOff x="0" y="0"/>
+          <a:chExt cx="0" cy="0"/>
+        </a:xfrm>
+      </p:grpSpPr>
+      <p:sp>
+        <p:nvSpPr>
+          <p:cNvPr id="2" name="Прямоугольник 1"/>
+          <p:cNvSpPr/>
+          <p:nvPr/>
+        </p:nvSpPr>
+        <p:spPr>
+          <a:xfrm>
             <a:off x="0" y="5712"/>
             <a:ext cx="9144000" cy="6858000"/>
           </a:xfrm>
@@ -7020,7 +7507,7 @@
 </p:sld>
 </file>
 
-<file path=ppt/slides/slide14.xml><?xml version="1.0" encoding="utf-8"?>
+<file path=ppt/slides/slide16.xml><?xml version="1.0" encoding="utf-8"?>
 <p:sld xmlns:a="http://schemas.openxmlformats.org/drawingml/2006/main" xmlns:r="http://schemas.openxmlformats.org/officeDocument/2006/relationships" xmlns:p="http://schemas.openxmlformats.org/presentationml/2006/main">
   <p:cSld>
     <p:spTree>
@@ -7333,7 +7820,7 @@
 </p:sld>
 </file>
 
-<file path=ppt/slides/slide15.xml><?xml version="1.0" encoding="utf-8"?>
+<file path=ppt/slides/slide17.xml><?xml version="1.0" encoding="utf-8"?>
 <p:sld xmlns:a="http://schemas.openxmlformats.org/drawingml/2006/main" xmlns:r="http://schemas.openxmlformats.org/officeDocument/2006/relationships" xmlns:p="http://schemas.openxmlformats.org/presentationml/2006/main">
   <p:cSld>
     <p:spTree>
@@ -7800,7 +8287,7 @@
 </p:sld>
 </file>
 
-<file path=ppt/slides/slide16.xml><?xml version="1.0" encoding="utf-8"?>
+<file path=ppt/slides/slide18.xml><?xml version="1.0" encoding="utf-8"?>
 <p:sld xmlns:a="http://schemas.openxmlformats.org/drawingml/2006/main" xmlns:r="http://schemas.openxmlformats.org/officeDocument/2006/relationships" xmlns:p="http://schemas.openxmlformats.org/presentationml/2006/main">
   <p:cSld>
     <p:spTree>
@@ -7942,7 +8429,7 @@
 </p:sld>
 </file>
 
-<file path=ppt/slides/slide17.xml><?xml version="1.0" encoding="utf-8"?>
+<file path=ppt/slides/slide19.xml><?xml version="1.0" encoding="utf-8"?>
 <p:sld xmlns:a="http://schemas.openxmlformats.org/drawingml/2006/main" xmlns:r="http://schemas.openxmlformats.org/officeDocument/2006/relationships" xmlns:p="http://schemas.openxmlformats.org/presentationml/2006/main">
   <p:cSld>
     <p:spTree>
@@ -8606,951 +9093,6 @@
 </p:sld>
 </file>
 
-<file path=ppt/slides/slide18.xml><?xml version="1.0" encoding="utf-8"?>
-<p:sld xmlns:a="http://schemas.openxmlformats.org/drawingml/2006/main" xmlns:r="http://schemas.openxmlformats.org/officeDocument/2006/relationships" xmlns:p="http://schemas.openxmlformats.org/presentationml/2006/main">
-  <p:cSld>
-    <p:spTree>
-      <p:nvGrpSpPr>
-        <p:cNvPr id="1" name=""/>
-        <p:cNvGrpSpPr/>
-        <p:nvPr/>
-      </p:nvGrpSpPr>
-      <p:grpSpPr>
-        <a:xfrm>
-          <a:off x="0" y="0"/>
-          <a:ext cx="0" cy="0"/>
-          <a:chOff x="0" y="0"/>
-          <a:chExt cx="0" cy="0"/>
-        </a:xfrm>
-      </p:grpSpPr>
-      <p:sp>
-        <p:nvSpPr>
-          <p:cNvPr id="2" name="Прямоугольник 1"/>
-          <p:cNvSpPr/>
-          <p:nvPr/>
-        </p:nvSpPr>
-        <p:spPr>
-          <a:xfrm>
-            <a:off x="12584" y="-17128"/>
-            <a:ext cx="9144000" cy="6858000"/>
-          </a:xfrm>
-          <a:prstGeom prst="rect">
-            <a:avLst/>
-          </a:prstGeom>
-        </p:spPr>
-        <p:style>
-          <a:lnRef idx="2">
-            <a:schemeClr val="dk1">
-              <a:shade val="50000"/>
-            </a:schemeClr>
-          </a:lnRef>
-          <a:fillRef idx="1">
-            <a:schemeClr val="dk1"/>
-          </a:fillRef>
-          <a:effectRef idx="0">
-            <a:schemeClr val="dk1"/>
-          </a:effectRef>
-          <a:fontRef idx="minor">
-            <a:schemeClr val="lt1"/>
-          </a:fontRef>
-        </p:style>
-        <p:txBody>
-          <a:bodyPr rtlCol="0" anchor="ctr"/>
-          <a:lstStyle/>
-          <a:p>
-            <a:pPr algn="ctr"/>
-            <a:endParaRPr lang="ru-RU" sz="6600" dirty="0">
-              <a:solidFill>
-                <a:srgbClr val="FF0000"/>
-              </a:solidFill>
-              <a:latin typeface="Bahnschrift Condensed" panose="020B0502040204020203" pitchFamily="34" charset="0"/>
-            </a:endParaRPr>
-          </a:p>
-        </p:txBody>
-      </p:sp>
-      <p:sp>
-        <p:nvSpPr>
-          <p:cNvPr id="3" name="Заголовок 1"/>
-          <p:cNvSpPr txBox="1">
-            <a:spLocks/>
-          </p:cNvSpPr>
-          <p:nvPr/>
-        </p:nvSpPr>
-        <p:spPr>
-          <a:xfrm>
-            <a:off x="-98860" y="188640"/>
-            <a:ext cx="9341720" cy="1470025"/>
-          </a:xfrm>
-          <a:prstGeom prst="rect">
-            <a:avLst/>
-          </a:prstGeom>
-        </p:spPr>
-        <p:txBody>
-          <a:bodyPr>
-            <a:noAutofit/>
-          </a:bodyPr>
-          <a:lstStyle>
-            <a:lvl1pPr algn="ctr" defTabSz="914400" rtl="0" eaLnBrk="1" latinLnBrk="0" hangingPunct="1">
-              <a:spcBef>
-                <a:spcPct val="0"/>
-              </a:spcBef>
-              <a:buNone/>
-              <a:defRPr sz="4400" kern="1200">
-                <a:solidFill>
-                  <a:schemeClr val="tx1"/>
-                </a:solidFill>
-                <a:latin typeface="+mj-lt"/>
-                <a:ea typeface="+mj-ea"/>
-                <a:cs typeface="+mj-cs"/>
-              </a:defRPr>
-            </a:lvl1pPr>
-          </a:lstStyle>
-          <a:p>
-            <a:r>
-              <a:rPr lang="ru-RU" sz="8800" dirty="0" smtClean="0">
-                <a:solidFill>
-                  <a:schemeClr val="bg1">
-                    <a:lumMod val="95000"/>
-                  </a:schemeClr>
-                </a:solidFill>
-                <a:latin typeface="Bahnschrift Condensed" panose="020B0502040204020203" pitchFamily="34" charset="0"/>
-              </a:rPr>
-              <a:t>Вдохновители</a:t>
-            </a:r>
-            <a:endParaRPr lang="ru-RU" sz="8800" dirty="0">
-              <a:solidFill>
-                <a:schemeClr val="bg1">
-                  <a:lumMod val="95000"/>
-                </a:schemeClr>
-              </a:solidFill>
-              <a:latin typeface="Bahnschrift Condensed" panose="020B0502040204020203" pitchFamily="34" charset="0"/>
-            </a:endParaRPr>
-          </a:p>
-        </p:txBody>
-      </p:sp>
-      <p:pic>
-        <p:nvPicPr>
-          <p:cNvPr id="1028" name="Picture 4" descr="C:\Users\асус\Desktop\HUCKUNIVERSITY_2019\иконки\1429795933_1.jpg"/>
-          <p:cNvPicPr>
-            <a:picLocks noChangeAspect="1" noChangeArrowheads="1"/>
-          </p:cNvPicPr>
-          <p:nvPr/>
-        </p:nvPicPr>
-        <p:blipFill>
-          <a:blip r:embed="rId2">
-            <a:extLst>
-              <a:ext uri="{28A0092B-C50C-407E-A947-70E740481C1C}">
-                <a14:useLocalDpi xmlns:a14="http://schemas.microsoft.com/office/drawing/2010/main" val="0"/>
-              </a:ext>
-            </a:extLst>
-          </a:blip>
-          <a:srcRect/>
-          <a:stretch>
-            <a:fillRect/>
-          </a:stretch>
-        </p:blipFill>
-        <p:spPr bwMode="auto">
-          <a:xfrm>
-            <a:off x="4552576" y="1916832"/>
-            <a:ext cx="3438144" cy="2009921"/>
-          </a:xfrm>
-          <a:prstGeom prst="rect">
-            <a:avLst/>
-          </a:prstGeom>
-          <a:noFill/>
-          <a:extLst>
-            <a:ext uri="{909E8E84-426E-40DD-AFC4-6F175D3DCCD1}">
-              <a14:hiddenFill xmlns:a14="http://schemas.microsoft.com/office/drawing/2010/main">
-                <a:solidFill>
-                  <a:srgbClr val="FFFFFF"/>
-                </a:solidFill>
-              </a14:hiddenFill>
-            </a:ext>
-          </a:extLst>
-        </p:spPr>
-      </p:pic>
-      <p:pic>
-        <p:nvPicPr>
-          <p:cNvPr id="1029" name="Picture 5" descr="C:\Users\асус\Desktop\HUCKUNIVERSITY_2019\иконки\HMVUUzYjeuE.jpg"/>
-          <p:cNvPicPr>
-            <a:picLocks noChangeAspect="1" noChangeArrowheads="1"/>
-          </p:cNvPicPr>
-          <p:nvPr/>
-        </p:nvPicPr>
-        <p:blipFill rotWithShape="1">
-          <a:blip r:embed="rId3">
-            <a:extLst>
-              <a:ext uri="{28A0092B-C50C-407E-A947-70E740481C1C}">
-                <a14:useLocalDpi xmlns:a14="http://schemas.microsoft.com/office/drawing/2010/main" val="0"/>
-              </a:ext>
-            </a:extLst>
-          </a:blip>
-          <a:srcRect l="32515" r="33432"/>
-          <a:stretch/>
-        </p:blipFill>
-        <p:spPr bwMode="auto">
-          <a:xfrm>
-            <a:off x="4552576" y="4077072"/>
-            <a:ext cx="3438144" cy="2540000"/>
-          </a:xfrm>
-          <a:prstGeom prst="rect">
-            <a:avLst/>
-          </a:prstGeom>
-          <a:noFill/>
-          <a:extLst>
-            <a:ext uri="{909E8E84-426E-40DD-AFC4-6F175D3DCCD1}">
-              <a14:hiddenFill xmlns:a14="http://schemas.microsoft.com/office/drawing/2010/main">
-                <a:solidFill>
-                  <a:srgbClr val="FFFFFF"/>
-                </a:solidFill>
-              </a14:hiddenFill>
-            </a:ext>
-          </a:extLst>
-        </p:spPr>
-      </p:pic>
-      <p:sp>
-        <p:nvSpPr>
-          <p:cNvPr id="4" name="Прямоугольник 3"/>
-          <p:cNvSpPr/>
-          <p:nvPr/>
-        </p:nvSpPr>
-        <p:spPr>
-          <a:xfrm>
-            <a:off x="971600" y="1916832"/>
-            <a:ext cx="3096344" cy="2009921"/>
-          </a:xfrm>
-          <a:prstGeom prst="rect">
-            <a:avLst/>
-          </a:prstGeom>
-          <a:solidFill>
-            <a:schemeClr val="bg1"/>
-          </a:solidFill>
-          <a:ln>
-            <a:solidFill>
-              <a:schemeClr val="bg1"/>
-            </a:solidFill>
-          </a:ln>
-        </p:spPr>
-        <p:style>
-          <a:lnRef idx="2">
-            <a:schemeClr val="accent1">
-              <a:shade val="50000"/>
-            </a:schemeClr>
-          </a:lnRef>
-          <a:fillRef idx="1">
-            <a:schemeClr val="accent1"/>
-          </a:fillRef>
-          <a:effectRef idx="0">
-            <a:schemeClr val="accent1"/>
-          </a:effectRef>
-          <a:fontRef idx="minor">
-            <a:schemeClr val="lt1"/>
-          </a:fontRef>
-        </p:style>
-        <p:txBody>
-          <a:bodyPr rtlCol="0" anchor="ctr"/>
-          <a:lstStyle/>
-          <a:p>
-            <a:pPr algn="ctr"/>
-            <a:endParaRPr lang="ru-RU"/>
-          </a:p>
-        </p:txBody>
-      </p:sp>
-      <p:pic>
-        <p:nvPicPr>
-          <p:cNvPr id="4098" name="Picture 2" descr="C:\Users\асус\Desktop\HUCKUNIVERSITY_2019\иконки\hu.png"/>
-          <p:cNvPicPr>
-            <a:picLocks noChangeAspect="1" noChangeArrowheads="1"/>
-          </p:cNvPicPr>
-          <p:nvPr/>
-        </p:nvPicPr>
-        <p:blipFill>
-          <a:blip r:embed="rId4">
-            <a:extLst>
-              <a:ext uri="{28A0092B-C50C-407E-A947-70E740481C1C}">
-                <a14:useLocalDpi xmlns:a14="http://schemas.microsoft.com/office/drawing/2010/main" val="0"/>
-              </a:ext>
-            </a:extLst>
-          </a:blip>
-          <a:srcRect/>
-          <a:stretch>
-            <a:fillRect/>
-          </a:stretch>
-        </p:blipFill>
-        <p:spPr bwMode="auto">
-          <a:xfrm>
-            <a:off x="1691680" y="1949684"/>
-            <a:ext cx="1806328" cy="1944216"/>
-          </a:xfrm>
-          <a:prstGeom prst="rect">
-            <a:avLst/>
-          </a:prstGeom>
-          <a:noFill/>
-          <a:extLst>
-            <a:ext uri="{909E8E84-426E-40DD-AFC4-6F175D3DCCD1}">
-              <a14:hiddenFill xmlns:a14="http://schemas.microsoft.com/office/drawing/2010/main">
-                <a:solidFill>
-                  <a:srgbClr val="FFFFFF"/>
-                </a:solidFill>
-              </a14:hiddenFill>
-            </a:ext>
-          </a:extLst>
-        </p:spPr>
-      </p:pic>
-      <p:pic>
-        <p:nvPicPr>
-          <p:cNvPr id="1026" name="Picture 2" descr="C:\Users\асус\Desktop\HUCKUNIVERSITY_2019\иконки\lg!a0h.jpg"/>
-          <p:cNvPicPr>
-            <a:picLocks noChangeAspect="1" noChangeArrowheads="1"/>
-          </p:cNvPicPr>
-          <p:nvPr/>
-        </p:nvPicPr>
-        <p:blipFill rotWithShape="1">
-          <a:blip r:embed="rId5">
-            <a:extLst>
-              <a:ext uri="{28A0092B-C50C-407E-A947-70E740481C1C}">
-                <a14:useLocalDpi xmlns:a14="http://schemas.microsoft.com/office/drawing/2010/main" val="0"/>
-              </a:ext>
-            </a:extLst>
-          </a:blip>
-          <a:srcRect l="11471" r="9127"/>
-          <a:stretch/>
-        </p:blipFill>
-        <p:spPr bwMode="auto">
-          <a:xfrm>
-            <a:off x="971600" y="4077071"/>
-            <a:ext cx="3096344" cy="2577305"/>
-          </a:xfrm>
-          <a:prstGeom prst="rect">
-            <a:avLst/>
-          </a:prstGeom>
-          <a:noFill/>
-          <a:extLst>
-            <a:ext uri="{909E8E84-426E-40DD-AFC4-6F175D3DCCD1}">
-              <a14:hiddenFill xmlns:a14="http://schemas.microsoft.com/office/drawing/2010/main">
-                <a:solidFill>
-                  <a:srgbClr val="FFFFFF"/>
-                </a:solidFill>
-              </a14:hiddenFill>
-            </a:ext>
-          </a:extLst>
-        </p:spPr>
-      </p:pic>
-    </p:spTree>
-    <p:extLst>
-      <p:ext uri="{BB962C8B-B14F-4D97-AF65-F5344CB8AC3E}">
-        <p14:creationId xmlns:p14="http://schemas.microsoft.com/office/powerpoint/2010/main" val="4004792028"/>
-      </p:ext>
-    </p:extLst>
-  </p:cSld>
-  <p:clrMapOvr>
-    <a:masterClrMapping/>
-  </p:clrMapOvr>
-  <p:timing>
-    <p:tnLst>
-      <p:par>
-        <p:cTn id="1" dur="indefinite" restart="never" nodeType="tmRoot"/>
-      </p:par>
-    </p:tnLst>
-  </p:timing>
-</p:sld>
-</file>
-
-<file path=ppt/slides/slide19.xml><?xml version="1.0" encoding="utf-8"?>
-<p:sld xmlns:a="http://schemas.openxmlformats.org/drawingml/2006/main" xmlns:r="http://schemas.openxmlformats.org/officeDocument/2006/relationships" xmlns:p="http://schemas.openxmlformats.org/presentationml/2006/main">
-  <p:cSld>
-    <p:spTree>
-      <p:nvGrpSpPr>
-        <p:cNvPr id="1" name=""/>
-        <p:cNvGrpSpPr/>
-        <p:nvPr/>
-      </p:nvGrpSpPr>
-      <p:grpSpPr>
-        <a:xfrm>
-          <a:off x="0" y="0"/>
-          <a:ext cx="0" cy="0"/>
-          <a:chOff x="0" y="0"/>
-          <a:chExt cx="0" cy="0"/>
-        </a:xfrm>
-      </p:grpSpPr>
-      <p:sp>
-        <p:nvSpPr>
-          <p:cNvPr id="2" name="Прямоугольник 1"/>
-          <p:cNvSpPr/>
-          <p:nvPr/>
-        </p:nvSpPr>
-        <p:spPr>
-          <a:xfrm>
-            <a:off x="0" y="5712"/>
-            <a:ext cx="9144000" cy="6858000"/>
-          </a:xfrm>
-          <a:prstGeom prst="rect">
-            <a:avLst/>
-          </a:prstGeom>
-        </p:spPr>
-        <p:style>
-          <a:lnRef idx="2">
-            <a:schemeClr val="dk1">
-              <a:shade val="50000"/>
-            </a:schemeClr>
-          </a:lnRef>
-          <a:fillRef idx="1">
-            <a:schemeClr val="dk1"/>
-          </a:fillRef>
-          <a:effectRef idx="0">
-            <a:schemeClr val="dk1"/>
-          </a:effectRef>
-          <a:fontRef idx="minor">
-            <a:schemeClr val="lt1"/>
-          </a:fontRef>
-        </p:style>
-        <p:txBody>
-          <a:bodyPr rtlCol="0" anchor="ctr"/>
-          <a:lstStyle/>
-          <a:p>
-            <a:pPr algn="ctr"/>
-            <a:endParaRPr lang="ru-RU" sz="6600" dirty="0">
-              <a:solidFill>
-                <a:srgbClr val="FF0000"/>
-              </a:solidFill>
-              <a:latin typeface="Bahnschrift Condensed" panose="020B0502040204020203" pitchFamily="34" charset="0"/>
-            </a:endParaRPr>
-          </a:p>
-        </p:txBody>
-      </p:sp>
-      <p:sp>
-        <p:nvSpPr>
-          <p:cNvPr id="3" name="Заголовок 1"/>
-          <p:cNvSpPr txBox="1">
-            <a:spLocks/>
-          </p:cNvSpPr>
-          <p:nvPr/>
-        </p:nvSpPr>
-        <p:spPr>
-          <a:xfrm>
-            <a:off x="-98860" y="188640"/>
-            <a:ext cx="9341720" cy="1470025"/>
-          </a:xfrm>
-          <a:prstGeom prst="rect">
-            <a:avLst/>
-          </a:prstGeom>
-        </p:spPr>
-        <p:txBody>
-          <a:bodyPr>
-            <a:noAutofit/>
-          </a:bodyPr>
-          <a:lstStyle>
-            <a:lvl1pPr algn="ctr" defTabSz="914400" rtl="0" eaLnBrk="1" latinLnBrk="0" hangingPunct="1">
-              <a:spcBef>
-                <a:spcPct val="0"/>
-              </a:spcBef>
-              <a:buNone/>
-              <a:defRPr sz="4400" kern="1200">
-                <a:solidFill>
-                  <a:schemeClr val="tx1"/>
-                </a:solidFill>
-                <a:latin typeface="+mj-lt"/>
-                <a:ea typeface="+mj-ea"/>
-                <a:cs typeface="+mj-cs"/>
-              </a:defRPr>
-            </a:lvl1pPr>
-          </a:lstStyle>
-          <a:p>
-            <a:r>
-              <a:rPr lang="ru-RU" sz="10000" dirty="0" smtClean="0">
-                <a:solidFill>
-                  <a:schemeClr val="bg1">
-                    <a:lumMod val="95000"/>
-                  </a:schemeClr>
-                </a:solidFill>
-                <a:latin typeface="Bahnschrift Condensed" panose="020B0502040204020203" pitchFamily="34" charset="0"/>
-              </a:rPr>
-              <a:t>Команда проекта</a:t>
-            </a:r>
-            <a:endParaRPr lang="ru-RU" sz="10000" dirty="0">
-              <a:solidFill>
-                <a:schemeClr val="bg1">
-                  <a:lumMod val="95000"/>
-                </a:schemeClr>
-              </a:solidFill>
-              <a:latin typeface="Bahnschrift Condensed" panose="020B0502040204020203" pitchFamily="34" charset="0"/>
-            </a:endParaRPr>
-          </a:p>
-        </p:txBody>
-      </p:sp>
-      <p:pic>
-        <p:nvPicPr>
-          <p:cNvPr id="1026" name="Picture 2" descr="C:\Users\асус\Desktop\HUCKUNIVERSITY_2019\jz9Qp1zs95c.jpg"/>
-          <p:cNvPicPr>
-            <a:picLocks noChangeAspect="1" noChangeArrowheads="1"/>
-          </p:cNvPicPr>
-          <p:nvPr/>
-        </p:nvPicPr>
-        <p:blipFill rotWithShape="1">
-          <a:blip r:embed="rId2" cstate="print">
-            <a:extLst>
-              <a:ext uri="{BEBA8EAE-BF5A-486C-A8C5-ECC9F3942E4B}">
-                <a14:imgProps xmlns:a14="http://schemas.microsoft.com/office/drawing/2010/main">
-                  <a14:imgLayer r:embed="rId3">
-                    <a14:imgEffect>
-                      <a14:brightnessContrast contrast="20000"/>
-                    </a14:imgEffect>
-                  </a14:imgLayer>
-                </a14:imgProps>
-              </a:ext>
-              <a:ext uri="{28A0092B-C50C-407E-A947-70E740481C1C}">
-                <a14:useLocalDpi xmlns:a14="http://schemas.microsoft.com/office/drawing/2010/main" val="0"/>
-              </a:ext>
-            </a:extLst>
-          </a:blip>
-          <a:srcRect l="1" t="23544" r="23853" b="35219"/>
-          <a:stretch/>
-        </p:blipFill>
-        <p:spPr bwMode="auto">
-          <a:xfrm>
-            <a:off x="3263106" y="2132856"/>
-            <a:ext cx="2617787" cy="2520280"/>
-          </a:xfrm>
-          <a:prstGeom prst="ellipse">
-            <a:avLst/>
-          </a:prstGeom>
-          <a:ln w="63500" cap="rnd">
-            <a:solidFill>
-              <a:schemeClr val="bg1"/>
-            </a:solidFill>
-          </a:ln>
-          <a:effectLst>
-            <a:outerShdw blurRad="381000" dist="292100" dir="5400000" sx="-80000" sy="-18000" rotWithShape="0">
-              <a:srgbClr val="000000">
-                <a:alpha val="22000"/>
-              </a:srgbClr>
-            </a:outerShdw>
-          </a:effectLst>
-          <a:scene3d>
-            <a:camera prst="orthographicFront"/>
-            <a:lightRig rig="contrasting" dir="t">
-              <a:rot lat="0" lon="0" rev="3000000"/>
-            </a:lightRig>
-          </a:scene3d>
-          <a:sp3d contourW="7620">
-            <a:bevelT w="95250" h="31750"/>
-            <a:contourClr>
-              <a:srgbClr val="333333"/>
-            </a:contourClr>
-          </a:sp3d>
-          <a:extLst>
-            <a:ext uri="{909E8E84-426E-40DD-AFC4-6F175D3DCCD1}">
-              <a14:hiddenFill xmlns:a14="http://schemas.microsoft.com/office/drawing/2010/main">
-                <a:solidFill>
-                  <a:srgbClr val="FFFFFF"/>
-                </a:solidFill>
-              </a14:hiddenFill>
-            </a:ext>
-          </a:extLst>
-        </p:spPr>
-      </p:pic>
-      <p:pic>
-        <p:nvPicPr>
-          <p:cNvPr id="1027" name="Picture 3" descr="C:\Users\асус\Desktop\HUCKUNIVERSITY_2019\RVKbPGfxpsE.jpg"/>
-          <p:cNvPicPr>
-            <a:picLocks noChangeAspect="1" noChangeArrowheads="1"/>
-          </p:cNvPicPr>
-          <p:nvPr/>
-        </p:nvPicPr>
-        <p:blipFill rotWithShape="1">
-          <a:blip r:embed="rId4" cstate="print">
-            <a:extLst>
-              <a:ext uri="{BEBA8EAE-BF5A-486C-A8C5-ECC9F3942E4B}">
-                <a14:imgProps xmlns:a14="http://schemas.microsoft.com/office/drawing/2010/main">
-                  <a14:imgLayer r:embed="rId5">
-                    <a14:imgEffect>
-                      <a14:brightnessContrast contrast="20000"/>
-                    </a14:imgEffect>
-                  </a14:imgLayer>
-                </a14:imgProps>
-              </a:ext>
-              <a:ext uri="{28A0092B-C50C-407E-A947-70E740481C1C}">
-                <a14:useLocalDpi xmlns:a14="http://schemas.microsoft.com/office/drawing/2010/main" val="0"/>
-              </a:ext>
-            </a:extLst>
-          </a:blip>
-          <a:srcRect t="4009" b="33048"/>
-          <a:stretch/>
-        </p:blipFill>
-        <p:spPr bwMode="auto">
-          <a:xfrm>
-            <a:off x="395548" y="2103259"/>
-            <a:ext cx="2664296" cy="2573829"/>
-          </a:xfrm>
-          <a:prstGeom prst="ellipse">
-            <a:avLst/>
-          </a:prstGeom>
-          <a:ln w="63500" cap="rnd">
-            <a:solidFill>
-              <a:schemeClr val="bg1"/>
-            </a:solidFill>
-          </a:ln>
-          <a:effectLst>
-            <a:outerShdw blurRad="381000" dist="292100" dir="5400000" sx="-80000" sy="-18000" rotWithShape="0">
-              <a:srgbClr val="000000">
-                <a:alpha val="22000"/>
-              </a:srgbClr>
-            </a:outerShdw>
-          </a:effectLst>
-          <a:scene3d>
-            <a:camera prst="orthographicFront"/>
-            <a:lightRig rig="contrasting" dir="t">
-              <a:rot lat="0" lon="0" rev="3000000"/>
-            </a:lightRig>
-          </a:scene3d>
-          <a:sp3d contourW="7620">
-            <a:bevelT w="95250" h="31750"/>
-            <a:contourClr>
-              <a:srgbClr val="333333"/>
-            </a:contourClr>
-          </a:sp3d>
-          <a:extLst>
-            <a:ext uri="{909E8E84-426E-40DD-AFC4-6F175D3DCCD1}">
-              <a14:hiddenFill xmlns:a14="http://schemas.microsoft.com/office/drawing/2010/main">
-                <a:solidFill>
-                  <a:srgbClr val="FFFFFF"/>
-                </a:solidFill>
-              </a14:hiddenFill>
-            </a:ext>
-          </a:extLst>
-        </p:spPr>
-      </p:pic>
-      <p:pic>
-        <p:nvPicPr>
-          <p:cNvPr id="1028" name="Picture 4" descr="C:\Users\асус\Desktop\HUCKUNIVERSITY_2019\i814cxJo99U.jpg"/>
-          <p:cNvPicPr>
-            <a:picLocks noChangeAspect="1" noChangeArrowheads="1"/>
-          </p:cNvPicPr>
-          <p:nvPr/>
-        </p:nvPicPr>
-        <p:blipFill rotWithShape="1">
-          <a:blip r:embed="rId6" cstate="print">
-            <a:extLst>
-              <a:ext uri="{BEBA8EAE-BF5A-486C-A8C5-ECC9F3942E4B}">
-                <a14:imgProps xmlns:a14="http://schemas.microsoft.com/office/drawing/2010/main">
-                  <a14:imgLayer r:embed="rId7">
-                    <a14:imgEffect>
-                      <a14:brightnessContrast contrast="20000"/>
-                    </a14:imgEffect>
-                  </a14:imgLayer>
-                </a14:imgProps>
-              </a:ext>
-              <a:ext uri="{28A0092B-C50C-407E-A947-70E740481C1C}">
-                <a14:useLocalDpi xmlns:a14="http://schemas.microsoft.com/office/drawing/2010/main" val="0"/>
-              </a:ext>
-            </a:extLst>
-          </a:blip>
-          <a:srcRect t="10375" b="36194"/>
-          <a:stretch/>
-        </p:blipFill>
-        <p:spPr bwMode="auto">
-          <a:xfrm>
-            <a:off x="6137905" y="2108903"/>
-            <a:ext cx="2703784" cy="2568186"/>
-          </a:xfrm>
-          <a:prstGeom prst="ellipse">
-            <a:avLst/>
-          </a:prstGeom>
-          <a:ln w="63500" cap="rnd">
-            <a:solidFill>
-              <a:schemeClr val="bg1"/>
-            </a:solidFill>
-          </a:ln>
-          <a:effectLst>
-            <a:outerShdw blurRad="381000" dist="292100" dir="5400000" sx="-80000" sy="-18000" rotWithShape="0">
-              <a:srgbClr val="000000">
-                <a:alpha val="22000"/>
-              </a:srgbClr>
-            </a:outerShdw>
-          </a:effectLst>
-          <a:scene3d>
-            <a:camera prst="orthographicFront"/>
-            <a:lightRig rig="contrasting" dir="t">
-              <a:rot lat="0" lon="0" rev="3000000"/>
-            </a:lightRig>
-          </a:scene3d>
-          <a:sp3d contourW="7620">
-            <a:bevelT w="95250" h="31750"/>
-            <a:contourClr>
-              <a:srgbClr val="333333"/>
-            </a:contourClr>
-          </a:sp3d>
-          <a:extLst>
-            <a:ext uri="{909E8E84-426E-40DD-AFC4-6F175D3DCCD1}">
-              <a14:hiddenFill xmlns:a14="http://schemas.microsoft.com/office/drawing/2010/main">
-                <a:solidFill>
-                  <a:srgbClr val="FFFFFF"/>
-                </a:solidFill>
-              </a14:hiddenFill>
-            </a:ext>
-          </a:extLst>
-        </p:spPr>
-      </p:pic>
-      <p:sp>
-        <p:nvSpPr>
-          <p:cNvPr id="10" name="TextBox 9"/>
-          <p:cNvSpPr txBox="1"/>
-          <p:nvPr/>
-        </p:nvSpPr>
-        <p:spPr>
-          <a:xfrm>
-            <a:off x="390640" y="4653136"/>
-            <a:ext cx="2617787" cy="1815882"/>
-          </a:xfrm>
-          <a:prstGeom prst="rect">
-            <a:avLst/>
-          </a:prstGeom>
-          <a:noFill/>
-        </p:spPr>
-        <p:txBody>
-          <a:bodyPr wrap="square" rtlCol="0">
-            <a:spAutoFit/>
-          </a:bodyPr>
-          <a:lstStyle/>
-          <a:p>
-            <a:pPr algn="ctr"/>
-            <a:r>
-              <a:rPr lang="ru-RU" sz="2800" dirty="0" smtClean="0">
-                <a:solidFill>
-                  <a:schemeClr val="bg1"/>
-                </a:solidFill>
-                <a:latin typeface="Bahnschrift Light Condensed" panose="020B0502040204020203" pitchFamily="34" charset="0"/>
-              </a:rPr>
-              <a:t>Разработчик аппаратной части</a:t>
-            </a:r>
-            <a:endParaRPr lang="ru-RU" sz="2800" dirty="0">
-              <a:solidFill>
-                <a:schemeClr val="bg1"/>
-              </a:solidFill>
-              <a:latin typeface="Bahnschrift Light Condensed" panose="020B0502040204020203" pitchFamily="34" charset="0"/>
-            </a:endParaRPr>
-          </a:p>
-          <a:p>
-            <a:pPr algn="ctr"/>
-            <a:r>
-              <a:rPr lang="ru-RU" sz="2800" b="1" dirty="0" smtClean="0">
-                <a:solidFill>
-                  <a:srgbClr val="FF0000"/>
-                </a:solidFill>
-                <a:latin typeface="Bahnschrift Light Condensed" panose="020B0502040204020203" pitchFamily="34" charset="0"/>
-              </a:rPr>
-              <a:t>Лихтин Семён</a:t>
-            </a:r>
-          </a:p>
-          <a:p>
-            <a:pPr algn="ctr"/>
-            <a:r>
-              <a:rPr lang="ru-RU" sz="2400" dirty="0" smtClean="0">
-                <a:solidFill>
-                  <a:schemeClr val="bg1"/>
-                </a:solidFill>
-                <a:latin typeface="Bahnschrift Light Condensed" panose="020B0502040204020203" pitchFamily="34" charset="0"/>
-              </a:rPr>
-              <a:t>8(909)7572282</a:t>
-            </a:r>
-            <a:endParaRPr lang="ru-RU" sz="2400" b="1" dirty="0">
-              <a:solidFill>
-                <a:schemeClr val="bg1"/>
-              </a:solidFill>
-              <a:latin typeface="Bahnschrift Light Condensed" panose="020B0502040204020203" pitchFamily="34" charset="0"/>
-            </a:endParaRPr>
-          </a:p>
-        </p:txBody>
-      </p:sp>
-      <p:sp>
-        <p:nvSpPr>
-          <p:cNvPr id="11" name="TextBox 10"/>
-          <p:cNvSpPr txBox="1"/>
-          <p:nvPr/>
-        </p:nvSpPr>
-        <p:spPr>
-          <a:xfrm>
-            <a:off x="6247191" y="4653136"/>
-            <a:ext cx="2617787" cy="1815882"/>
-          </a:xfrm>
-          <a:prstGeom prst="rect">
-            <a:avLst/>
-          </a:prstGeom>
-          <a:noFill/>
-        </p:spPr>
-        <p:txBody>
-          <a:bodyPr wrap="square" rtlCol="0">
-            <a:spAutoFit/>
-          </a:bodyPr>
-          <a:lstStyle/>
-          <a:p>
-            <a:pPr algn="ctr"/>
-            <a:r>
-              <a:rPr lang="ru-RU" sz="2800" dirty="0" smtClean="0">
-                <a:solidFill>
-                  <a:schemeClr val="bg1"/>
-                </a:solidFill>
-                <a:latin typeface="Bahnschrift Light Condensed" panose="020B0502040204020203" pitchFamily="34" charset="0"/>
-              </a:rPr>
-              <a:t>Разработчик программной части</a:t>
-            </a:r>
-            <a:endParaRPr lang="ru-RU" sz="2800" dirty="0">
-              <a:solidFill>
-                <a:schemeClr val="bg1"/>
-              </a:solidFill>
-              <a:latin typeface="Bahnschrift Light Condensed" panose="020B0502040204020203" pitchFamily="34" charset="0"/>
-            </a:endParaRPr>
-          </a:p>
-          <a:p>
-            <a:pPr algn="ctr"/>
-            <a:r>
-              <a:rPr lang="ru-RU" sz="2800" b="1" dirty="0" smtClean="0">
-                <a:solidFill>
-                  <a:srgbClr val="FF0000"/>
-                </a:solidFill>
-                <a:latin typeface="Bahnschrift Light Condensed" panose="020B0502040204020203" pitchFamily="34" charset="0"/>
-              </a:rPr>
-              <a:t>Абакумов Дмитрий</a:t>
-            </a:r>
-          </a:p>
-          <a:p>
-            <a:pPr algn="ctr"/>
-            <a:r>
-              <a:rPr lang="ru-RU" sz="2400" dirty="0" smtClean="0">
-                <a:solidFill>
-                  <a:schemeClr val="bg1"/>
-                </a:solidFill>
-                <a:latin typeface="Bahnschrift Light Condensed" panose="020B0502040204020203" pitchFamily="34" charset="0"/>
-              </a:rPr>
-              <a:t>8(999)6996120</a:t>
-            </a:r>
-            <a:endParaRPr lang="ru-RU" sz="2400" b="1" dirty="0">
-              <a:solidFill>
-                <a:schemeClr val="bg1"/>
-              </a:solidFill>
-              <a:latin typeface="Bahnschrift Light Condensed" panose="020B0502040204020203" pitchFamily="34" charset="0"/>
-            </a:endParaRPr>
-          </a:p>
-        </p:txBody>
-      </p:sp>
-      <p:sp>
-        <p:nvSpPr>
-          <p:cNvPr id="12" name="TextBox 11"/>
-          <p:cNvSpPr txBox="1"/>
-          <p:nvPr/>
-        </p:nvSpPr>
-        <p:spPr>
-          <a:xfrm>
-            <a:off x="3008427" y="4653136"/>
-            <a:ext cx="3129478" cy="1754326"/>
-          </a:xfrm>
-          <a:prstGeom prst="rect">
-            <a:avLst/>
-          </a:prstGeom>
-          <a:noFill/>
-        </p:spPr>
-        <p:txBody>
-          <a:bodyPr wrap="square" rtlCol="0">
-            <a:spAutoFit/>
-          </a:bodyPr>
-          <a:lstStyle/>
-          <a:p>
-            <a:pPr algn="ctr"/>
-            <a:r>
-              <a:rPr lang="ru-RU" sz="2800" dirty="0" smtClean="0">
-                <a:solidFill>
-                  <a:schemeClr val="bg1"/>
-                </a:solidFill>
-                <a:latin typeface="Bahnschrift Light Condensed" panose="020B0502040204020203" pitchFamily="34" charset="0"/>
-              </a:rPr>
-              <a:t>Спикер</a:t>
-            </a:r>
-            <a:r>
-              <a:rPr lang="en-US" sz="2800" dirty="0" smtClean="0">
-                <a:solidFill>
-                  <a:schemeClr val="bg1"/>
-                </a:solidFill>
-                <a:latin typeface="Bahnschrift Light Condensed" panose="020B0502040204020203" pitchFamily="34" charset="0"/>
-              </a:rPr>
-              <a:t>/</a:t>
-            </a:r>
-            <a:r>
-              <a:rPr lang="ru-RU" sz="2800" dirty="0" smtClean="0">
-                <a:solidFill>
-                  <a:schemeClr val="bg1"/>
-                </a:solidFill>
-                <a:latin typeface="Bahnschrift Light Condensed" panose="020B0502040204020203" pitchFamily="34" charset="0"/>
-              </a:rPr>
-              <a:t>дизайнер</a:t>
-            </a:r>
-          </a:p>
-          <a:p>
-            <a:pPr algn="ctr"/>
-            <a:endParaRPr lang="ru-RU" sz="2800" dirty="0">
-              <a:solidFill>
-                <a:schemeClr val="bg1"/>
-              </a:solidFill>
-              <a:latin typeface="Bahnschrift Light Condensed" panose="020B0502040204020203" pitchFamily="34" charset="0"/>
-            </a:endParaRPr>
-          </a:p>
-          <a:p>
-            <a:pPr algn="ctr"/>
-            <a:r>
-              <a:rPr lang="ru-RU" sz="2800" b="1" dirty="0" smtClean="0">
-                <a:solidFill>
-                  <a:srgbClr val="FF0000"/>
-                </a:solidFill>
-                <a:latin typeface="Bahnschrift Light Condensed" panose="020B0502040204020203" pitchFamily="34" charset="0"/>
-              </a:rPr>
-              <a:t>Самойленко Валерия</a:t>
-            </a:r>
-            <a:endParaRPr lang="en-US" sz="2400" b="1" dirty="0" smtClean="0">
-              <a:solidFill>
-                <a:schemeClr val="bg1"/>
-              </a:solidFill>
-              <a:latin typeface="Bahnschrift Light Condensed" panose="020B0502040204020203" pitchFamily="34" charset="0"/>
-            </a:endParaRPr>
-          </a:p>
-          <a:p>
-            <a:pPr algn="ctr"/>
-            <a:r>
-              <a:rPr lang="en-US" sz="2400" b="1" dirty="0" smtClean="0">
-                <a:solidFill>
-                  <a:schemeClr val="bg1"/>
-                </a:solidFill>
-                <a:latin typeface="Bahnschrift Light Condensed" panose="020B0502040204020203" pitchFamily="34" charset="0"/>
-              </a:rPr>
-              <a:t>8(918) 561 - 71 </a:t>
-            </a:r>
-            <a:endParaRPr lang="ru-RU" sz="2400" b="1" dirty="0">
-              <a:solidFill>
-                <a:schemeClr val="bg1"/>
-              </a:solidFill>
-              <a:latin typeface="Bahnschrift Light Condensed" panose="020B0502040204020203" pitchFamily="34" charset="0"/>
-            </a:endParaRPr>
-          </a:p>
-        </p:txBody>
-      </p:sp>
-    </p:spTree>
-    <p:extLst>
-      <p:ext uri="{BB962C8B-B14F-4D97-AF65-F5344CB8AC3E}">
-        <p14:creationId xmlns:p14="http://schemas.microsoft.com/office/powerpoint/2010/main" val="1303234111"/>
-      </p:ext>
-    </p:extLst>
-  </p:cSld>
-  <p:clrMapOvr>
-    <a:masterClrMapping/>
-  </p:clrMapOvr>
-  <p:timing>
-    <p:tnLst>
-      <p:par>
-        <p:cTn id="1" dur="indefinite" restart="never" nodeType="tmRoot"/>
-      </p:par>
-    </p:tnLst>
-  </p:timing>
-</p:sld>
-</file>
-
 <file path=ppt/slides/slide2.xml><?xml version="1.0" encoding="utf-8"?>
 <p:sld xmlns:a="http://schemas.openxmlformats.org/drawingml/2006/main" xmlns:r="http://schemas.openxmlformats.org/officeDocument/2006/relationships" xmlns:p="http://schemas.openxmlformats.org/presentationml/2006/main">
   <p:cSld>
@@ -10590,51 +10132,13 @@
       </p:grpSpPr>
       <p:sp>
         <p:nvSpPr>
-          <p:cNvPr id="2" name="Заголовок 1"/>
-          <p:cNvSpPr>
-            <a:spLocks noGrp="1"/>
-          </p:cNvSpPr>
-          <p:nvPr>
-            <p:ph type="title"/>
-          </p:nvPr>
-        </p:nvSpPr>
-        <p:spPr/>
-        <p:txBody>
-          <a:bodyPr/>
-          <a:lstStyle/>
-          <a:p>
-            <a:endParaRPr lang="ru-RU"/>
-          </a:p>
-        </p:txBody>
-      </p:sp>
-      <p:sp>
-        <p:nvSpPr>
-          <p:cNvPr id="3" name="Объект 2"/>
-          <p:cNvSpPr>
-            <a:spLocks noGrp="1"/>
-          </p:cNvSpPr>
-          <p:nvPr>
-            <p:ph idx="1"/>
-          </p:nvPr>
-        </p:nvSpPr>
-        <p:spPr/>
-        <p:txBody>
-          <a:bodyPr/>
-          <a:lstStyle/>
-          <a:p>
-            <a:endParaRPr lang="ru-RU"/>
-          </a:p>
-        </p:txBody>
-      </p:sp>
-      <p:sp>
-        <p:nvSpPr>
-          <p:cNvPr id="4" name="Прямоугольник 3"/>
+          <p:cNvPr id="2" name="Прямоугольник 1"/>
           <p:cNvSpPr/>
           <p:nvPr/>
         </p:nvSpPr>
         <p:spPr>
           <a:xfrm>
-            <a:off x="0" y="5712"/>
+            <a:off x="12584" y="-17128"/>
             <a:ext cx="9144000" cy="6858000"/>
           </a:xfrm>
           <a:prstGeom prst="rect">
@@ -10673,59 +10177,74 @@
       </p:sp>
       <p:sp>
         <p:nvSpPr>
-          <p:cNvPr id="5" name="Прямоугольник 4"/>
-          <p:cNvSpPr/>
+          <p:cNvPr id="3" name="Заголовок 1"/>
+          <p:cNvSpPr txBox="1">
+            <a:spLocks/>
+          </p:cNvSpPr>
           <p:nvPr/>
         </p:nvSpPr>
         <p:spPr>
           <a:xfrm>
-            <a:off x="899592" y="1772816"/>
-            <a:ext cx="2448272" cy="216024"/>
+            <a:off x="-98860" y="188640"/>
+            <a:ext cx="9341720" cy="1470025"/>
           </a:xfrm>
           <a:prstGeom prst="rect">
             <a:avLst/>
           </a:prstGeom>
-          <a:ln>
-            <a:solidFill>
-              <a:srgbClr val="92D050"/>
-            </a:solidFill>
-          </a:ln>
-        </p:spPr>
-        <p:style>
-          <a:lnRef idx="2">
-            <a:schemeClr val="accent3">
-              <a:shade val="50000"/>
-            </a:schemeClr>
-          </a:lnRef>
-          <a:fillRef idx="1">
-            <a:schemeClr val="accent3"/>
-          </a:fillRef>
-          <a:effectRef idx="0">
-            <a:schemeClr val="accent3"/>
-          </a:effectRef>
-          <a:fontRef idx="minor">
-            <a:schemeClr val="lt1"/>
-          </a:fontRef>
-        </p:style>
-        <p:txBody>
-          <a:bodyPr rtlCol="0" anchor="ctr"/>
-          <a:lstStyle/>
-          <a:p>
-            <a:pPr algn="ctr"/>
-            <a:endParaRPr lang="ru-RU"/>
+        </p:spPr>
+        <p:txBody>
+          <a:bodyPr>
+            <a:noAutofit/>
+          </a:bodyPr>
+          <a:lstStyle>
+            <a:lvl1pPr algn="ctr" defTabSz="914400" rtl="0" eaLnBrk="1" latinLnBrk="0" hangingPunct="1">
+              <a:spcBef>
+                <a:spcPct val="0"/>
+              </a:spcBef>
+              <a:buNone/>
+              <a:defRPr sz="4400" kern="1200">
+                <a:solidFill>
+                  <a:schemeClr val="tx1"/>
+                </a:solidFill>
+                <a:latin typeface="+mj-lt"/>
+                <a:ea typeface="+mj-ea"/>
+                <a:cs typeface="+mj-cs"/>
+              </a:defRPr>
+            </a:lvl1pPr>
+          </a:lstStyle>
+          <a:p>
+            <a:r>
+              <a:rPr lang="ru-RU" sz="8800" dirty="0" smtClean="0">
+                <a:solidFill>
+                  <a:schemeClr val="bg1">
+                    <a:lumMod val="95000"/>
+                  </a:schemeClr>
+                </a:solidFill>
+                <a:latin typeface="Bahnschrift Condensed" panose="020B0502040204020203" pitchFamily="34" charset="0"/>
+              </a:rPr>
+              <a:t>Вдохновители</a:t>
+            </a:r>
+            <a:endParaRPr lang="ru-RU" sz="8800" dirty="0">
+              <a:solidFill>
+                <a:schemeClr val="bg1">
+                  <a:lumMod val="95000"/>
+                </a:schemeClr>
+              </a:solidFill>
+              <a:latin typeface="Bahnschrift Condensed" panose="020B0502040204020203" pitchFamily="34" charset="0"/>
+            </a:endParaRPr>
           </a:p>
         </p:txBody>
       </p:sp>
       <p:pic>
         <p:nvPicPr>
-          <p:cNvPr id="6" name="Picture 2" descr="C:\Users\асус\Desktop\HUCKUNIVERSITY_2019\иконки\18л.png"/>
+          <p:cNvPr id="1028" name="Picture 4" descr="C:\Users\асус\Desktop\HUCKUNIVERSITY_2019\иконки\1429795933_1.jpg"/>
           <p:cNvPicPr>
             <a:picLocks noChangeAspect="1" noChangeArrowheads="1"/>
           </p:cNvPicPr>
           <p:nvPr/>
         </p:nvPicPr>
         <p:blipFill>
-          <a:blip r:embed="rId2" cstate="print">
+          <a:blip r:embed="rId2">
             <a:extLst>
               <a:ext uri="{28A0092B-C50C-407E-A947-70E740481C1C}">
                 <a14:useLocalDpi xmlns:a14="http://schemas.microsoft.com/office/drawing/2010/main" val="0"/>
@@ -10739,8 +10258,8 @@
         </p:blipFill>
         <p:spPr bwMode="auto">
           <a:xfrm>
-            <a:off x="-301253" y="992247"/>
-            <a:ext cx="4849961" cy="4849961"/>
+            <a:off x="4552576" y="1916832"/>
+            <a:ext cx="3438144" cy="2009921"/>
           </a:xfrm>
           <a:prstGeom prst="rect">
             <a:avLst/>
@@ -10759,29 +10278,27 @@
       </p:pic>
       <p:pic>
         <p:nvPicPr>
-          <p:cNvPr id="7" name="Picture 3" descr="C:\Users\асус\Desktop\HUCKUNIVERSITY_2019\4.jpg"/>
+          <p:cNvPr id="1029" name="Picture 5" descr="C:\Users\асус\Desktop\HUCKUNIVERSITY_2019\иконки\HMVUUzYjeuE.jpg"/>
           <p:cNvPicPr>
             <a:picLocks noChangeAspect="1" noChangeArrowheads="1"/>
           </p:cNvPicPr>
           <p:nvPr/>
         </p:nvPicPr>
-        <p:blipFill>
-          <a:blip r:embed="rId3" cstate="print">
+        <p:blipFill rotWithShape="1">
+          <a:blip r:embed="rId3">
             <a:extLst>
               <a:ext uri="{28A0092B-C50C-407E-A947-70E740481C1C}">
                 <a14:useLocalDpi xmlns:a14="http://schemas.microsoft.com/office/drawing/2010/main" val="0"/>
               </a:ext>
             </a:extLst>
           </a:blip>
-          <a:srcRect/>
-          <a:stretch>
-            <a:fillRect/>
-          </a:stretch>
+          <a:srcRect l="32515" r="33432"/>
+          <a:stretch/>
         </p:blipFill>
         <p:spPr bwMode="auto">
           <a:xfrm>
-            <a:off x="1125897" y="2363057"/>
-            <a:ext cx="2042244" cy="1123774"/>
+            <a:off x="4552576" y="4077072"/>
+            <a:ext cx="3438144" cy="2540000"/>
           </a:xfrm>
           <a:prstGeom prst="rect">
             <a:avLst/>
@@ -10800,96 +10317,16 @@
       </p:pic>
       <p:sp>
         <p:nvSpPr>
-          <p:cNvPr id="8" name="TextBox 7"/>
-          <p:cNvSpPr txBox="1"/>
+          <p:cNvPr id="4" name="Прямоугольник 3"/>
+          <p:cNvSpPr/>
           <p:nvPr/>
         </p:nvSpPr>
         <p:spPr>
           <a:xfrm>
-            <a:off x="2519475" y="1726939"/>
-            <a:ext cx="828389" cy="307777"/>
+            <a:off x="971600" y="1916832"/>
+            <a:ext cx="3096344" cy="2009921"/>
           </a:xfrm>
           <a:prstGeom prst="rect">
-            <a:avLst/>
-          </a:prstGeom>
-          <a:noFill/>
-        </p:spPr>
-        <p:txBody>
-          <a:bodyPr wrap="square" rtlCol="0">
-            <a:spAutoFit/>
-          </a:bodyPr>
-          <a:lstStyle/>
-          <a:p>
-            <a:r>
-              <a:rPr lang="ru-RU" sz="1400" b="1" dirty="0" smtClean="0">
-                <a:solidFill>
-                  <a:schemeClr val="bg1"/>
-                </a:solidFill>
-              </a:rPr>
-              <a:t>12:38</a:t>
-            </a:r>
-            <a:endParaRPr lang="ru-RU" sz="1400" b="1" dirty="0">
-              <a:solidFill>
-                <a:schemeClr val="bg1"/>
-              </a:solidFill>
-            </a:endParaRPr>
-          </a:p>
-        </p:txBody>
-      </p:sp>
-      <p:pic>
-        <p:nvPicPr>
-          <p:cNvPr id="9" name="Picture 4" descr="C:\Users\асус\Desktop\HUCKUNIVERSITY_2019\260318.png"/>
-          <p:cNvPicPr>
-            <a:picLocks noChangeAspect="1" noChangeArrowheads="1"/>
-          </p:cNvPicPr>
-          <p:nvPr/>
-        </p:nvPicPr>
-        <p:blipFill>
-          <a:blip r:embed="rId4" cstate="print">
-            <a:lum bright="70000" contrast="-70000"/>
-            <a:extLst>
-              <a:ext uri="{28A0092B-C50C-407E-A947-70E740481C1C}">
-                <a14:useLocalDpi xmlns:a14="http://schemas.microsoft.com/office/drawing/2010/main" val="0"/>
-              </a:ext>
-            </a:extLst>
-          </a:blip>
-          <a:srcRect/>
-          <a:stretch>
-            <a:fillRect/>
-          </a:stretch>
-        </p:blipFill>
-        <p:spPr bwMode="auto">
-          <a:xfrm>
-            <a:off x="2223346" y="1772816"/>
-            <a:ext cx="229036" cy="229036"/>
-          </a:xfrm>
-          <a:prstGeom prst="rect">
-            <a:avLst/>
-          </a:prstGeom>
-          <a:noFill/>
-          <a:extLst>
-            <a:ext uri="{909E8E84-426E-40DD-AFC4-6F175D3DCCD1}">
-              <a14:hiddenFill xmlns:a14="http://schemas.microsoft.com/office/drawing/2010/main">
-                <a:solidFill>
-                  <a:srgbClr val="FFFFFF"/>
-                </a:solidFill>
-              </a14:hiddenFill>
-            </a:ext>
-          </a:extLst>
-        </p:spPr>
-      </p:pic>
-      <p:sp>
-        <p:nvSpPr>
-          <p:cNvPr id="10" name="Стрелка вправо 9"/>
-          <p:cNvSpPr/>
-          <p:nvPr/>
-        </p:nvSpPr>
-        <p:spPr>
-          <a:xfrm>
-            <a:off x="3346728" y="2771503"/>
-            <a:ext cx="1801957" cy="108504"/>
-          </a:xfrm>
-          <a:prstGeom prst="rightArrow">
             <a:avLst/>
           </a:prstGeom>
           <a:solidFill>
@@ -10926,141 +10363,90 @@
           </a:p>
         </p:txBody>
       </p:sp>
-      <p:sp>
-        <p:nvSpPr>
-          <p:cNvPr id="12" name="TextBox 11"/>
-          <p:cNvSpPr txBox="1"/>
-          <p:nvPr/>
-        </p:nvSpPr>
-        <p:spPr>
-          <a:xfrm>
-            <a:off x="5174430" y="810283"/>
-            <a:ext cx="3969570" cy="646331"/>
+      <p:pic>
+        <p:nvPicPr>
+          <p:cNvPr id="4098" name="Picture 2" descr="C:\Users\асус\Desktop\HUCKUNIVERSITY_2019\иконки\hu.png"/>
+          <p:cNvPicPr>
+            <a:picLocks noChangeAspect="1" noChangeArrowheads="1"/>
+          </p:cNvPicPr>
+          <p:nvPr/>
+        </p:nvPicPr>
+        <p:blipFill>
+          <a:blip r:embed="rId4">
+            <a:extLst>
+              <a:ext uri="{28A0092B-C50C-407E-A947-70E740481C1C}">
+                <a14:useLocalDpi xmlns:a14="http://schemas.microsoft.com/office/drawing/2010/main" val="0"/>
+              </a:ext>
+            </a:extLst>
+          </a:blip>
+          <a:srcRect/>
+          <a:stretch>
+            <a:fillRect/>
+          </a:stretch>
+        </p:blipFill>
+        <p:spPr bwMode="auto">
+          <a:xfrm>
+            <a:off x="1691680" y="1949684"/>
+            <a:ext cx="1806328" cy="1944216"/>
           </a:xfrm>
           <a:prstGeom prst="rect">
             <a:avLst/>
           </a:prstGeom>
           <a:noFill/>
-        </p:spPr>
-        <p:txBody>
-          <a:bodyPr wrap="square" rtlCol="0">
-            <a:spAutoFit/>
-          </a:bodyPr>
-          <a:lstStyle/>
-          <a:p>
-            <a:r>
-              <a:rPr lang="en-US" sz="3600" b="1" dirty="0" smtClean="0">
-                <a:solidFill>
-                  <a:srgbClr val="FF0000"/>
-                </a:solidFill>
-                <a:latin typeface="Bahnschrift Light Condensed" panose="020B0502040204020203" pitchFamily="34" charset="0"/>
-              </a:rPr>
-              <a:t>Android-</a:t>
-            </a:r>
-            <a:r>
-              <a:rPr lang="ru-RU" sz="3600" b="1" dirty="0" smtClean="0">
-                <a:solidFill>
-                  <a:srgbClr val="FF0000"/>
-                </a:solidFill>
-                <a:latin typeface="Bahnschrift Light Condensed" panose="020B0502040204020203" pitchFamily="34" charset="0"/>
-              </a:rPr>
-              <a:t>приложение</a:t>
-            </a:r>
-            <a:endParaRPr lang="ru-RU" sz="3600" b="1" dirty="0">
-              <a:solidFill>
-                <a:srgbClr val="FF0000"/>
-              </a:solidFill>
-              <a:latin typeface="Bahnschrift Light Condensed" panose="020B0502040204020203" pitchFamily="34" charset="0"/>
-            </a:endParaRPr>
-          </a:p>
-        </p:txBody>
-      </p:sp>
-      <p:sp>
-        <p:nvSpPr>
-          <p:cNvPr id="14" name="TextBox 13"/>
-          <p:cNvSpPr txBox="1"/>
-          <p:nvPr/>
-        </p:nvSpPr>
-        <p:spPr>
-          <a:xfrm>
-            <a:off x="5249217" y="1424728"/>
-            <a:ext cx="3528392" cy="2554545"/>
+          <a:extLst>
+            <a:ext uri="{909E8E84-426E-40DD-AFC4-6F175D3DCCD1}">
+              <a14:hiddenFill xmlns:a14="http://schemas.microsoft.com/office/drawing/2010/main">
+                <a:solidFill>
+                  <a:srgbClr val="FFFFFF"/>
+                </a:solidFill>
+              </a14:hiddenFill>
+            </a:ext>
+          </a:extLst>
+        </p:spPr>
+      </p:pic>
+      <p:pic>
+        <p:nvPicPr>
+          <p:cNvPr id="1026" name="Picture 2" descr="C:\Users\асус\Desktop\HUCKUNIVERSITY_2019\иконки\lg!a0h.jpg"/>
+          <p:cNvPicPr>
+            <a:picLocks noChangeAspect="1" noChangeArrowheads="1"/>
+          </p:cNvPicPr>
+          <p:nvPr/>
+        </p:nvPicPr>
+        <p:blipFill rotWithShape="1">
+          <a:blip r:embed="rId5">
+            <a:extLst>
+              <a:ext uri="{28A0092B-C50C-407E-A947-70E740481C1C}">
+                <a14:useLocalDpi xmlns:a14="http://schemas.microsoft.com/office/drawing/2010/main" val="0"/>
+              </a:ext>
+            </a:extLst>
+          </a:blip>
+          <a:srcRect l="11471" r="9127"/>
+          <a:stretch/>
+        </p:blipFill>
+        <p:spPr bwMode="auto">
+          <a:xfrm>
+            <a:off x="971600" y="4077071"/>
+            <a:ext cx="3096344" cy="2577305"/>
           </a:xfrm>
           <a:prstGeom prst="rect">
             <a:avLst/>
           </a:prstGeom>
           <a:noFill/>
-        </p:spPr>
-        <p:txBody>
-          <a:bodyPr wrap="square" rtlCol="0">
-            <a:spAutoFit/>
-          </a:bodyPr>
-          <a:lstStyle/>
-          <a:p>
-            <a:r>
-              <a:rPr lang="en-US" sz="4000" b="1" dirty="0" smtClean="0">
-                <a:solidFill>
-                  <a:schemeClr val="bg1"/>
-                </a:solidFill>
-                <a:latin typeface="Bahnschrift Light Condensed" panose="020B0502040204020203" pitchFamily="34" charset="0"/>
-              </a:rPr>
-              <a:t>Here maps</a:t>
-            </a:r>
-          </a:p>
-          <a:p>
-            <a:r>
-              <a:rPr lang="en-US" sz="4000" b="1" dirty="0" smtClean="0">
-                <a:solidFill>
-                  <a:schemeClr val="bg1"/>
-                </a:solidFill>
-                <a:latin typeface="Bahnschrift Light Condensed" panose="020B0502040204020203" pitchFamily="34" charset="0"/>
-              </a:rPr>
-              <a:t>Java</a:t>
-            </a:r>
-          </a:p>
-          <a:p>
-            <a:r>
-              <a:rPr lang="en-US" sz="4000" b="1" dirty="0" err="1" smtClean="0">
-                <a:solidFill>
-                  <a:schemeClr val="bg1"/>
-                </a:solidFill>
-                <a:latin typeface="Bahnschrift Light Condensed" panose="020B0502040204020203" pitchFamily="34" charset="0"/>
-              </a:rPr>
-              <a:t>RxJava</a:t>
-            </a:r>
-            <a:r>
-              <a:rPr lang="en-US" sz="4000" b="1" dirty="0" smtClean="0">
-                <a:solidFill>
-                  <a:schemeClr val="bg1"/>
-                </a:solidFill>
-                <a:latin typeface="Bahnschrift Light Condensed" panose="020B0502040204020203" pitchFamily="34" charset="0"/>
-              </a:rPr>
-              <a:t> 2</a:t>
-            </a:r>
-          </a:p>
-          <a:p>
-            <a:r>
-              <a:rPr lang="en-US" sz="4000" b="1" dirty="0" smtClean="0">
-                <a:solidFill>
-                  <a:schemeClr val="bg1"/>
-                </a:solidFill>
-                <a:latin typeface="Bahnschrift Light Condensed" panose="020B0502040204020203" pitchFamily="34" charset="0"/>
-              </a:rPr>
-              <a:t>Retrofit</a:t>
-            </a:r>
-            <a:endParaRPr lang="ru-RU" sz="4000" b="1" dirty="0">
-              <a:solidFill>
-                <a:schemeClr val="bg1"/>
-              </a:solidFill>
-              <a:latin typeface="Bahnschrift Light Condensed" panose="020B0502040204020203" pitchFamily="34" charset="0"/>
-            </a:endParaRPr>
-          </a:p>
-        </p:txBody>
-      </p:sp>
+          <a:extLst>
+            <a:ext uri="{909E8E84-426E-40DD-AFC4-6F175D3DCCD1}">
+              <a14:hiddenFill xmlns:a14="http://schemas.microsoft.com/office/drawing/2010/main">
+                <a:solidFill>
+                  <a:srgbClr val="FFFFFF"/>
+                </a:solidFill>
+              </a14:hiddenFill>
+            </a:ext>
+          </a:extLst>
+        </p:spPr>
+      </p:pic>
     </p:spTree>
     <p:extLst>
       <p:ext uri="{BB962C8B-B14F-4D97-AF65-F5344CB8AC3E}">
-        <p14:creationId xmlns:p14="http://schemas.microsoft.com/office/powerpoint/2010/main" val="2152991558"/>
+        <p14:creationId xmlns:p14="http://schemas.microsoft.com/office/powerpoint/2010/main" val="4004792028"/>
       </p:ext>
     </p:extLst>
   </p:cSld>
@@ -11096,45 +10482,7 @@
       </p:grpSpPr>
       <p:sp>
         <p:nvSpPr>
-          <p:cNvPr id="2" name="Заголовок 1"/>
-          <p:cNvSpPr>
-            <a:spLocks noGrp="1"/>
-          </p:cNvSpPr>
-          <p:nvPr>
-            <p:ph type="title"/>
-          </p:nvPr>
-        </p:nvSpPr>
-        <p:spPr/>
-        <p:txBody>
-          <a:bodyPr/>
-          <a:lstStyle/>
-          <a:p>
-            <a:endParaRPr lang="ru-RU"/>
-          </a:p>
-        </p:txBody>
-      </p:sp>
-      <p:sp>
-        <p:nvSpPr>
-          <p:cNvPr id="3" name="Объект 2"/>
-          <p:cNvSpPr>
-            <a:spLocks noGrp="1"/>
-          </p:cNvSpPr>
-          <p:nvPr>
-            <p:ph idx="1"/>
-          </p:nvPr>
-        </p:nvSpPr>
-        <p:spPr/>
-        <p:txBody>
-          <a:bodyPr/>
-          <a:lstStyle/>
-          <a:p>
-            <a:endParaRPr lang="ru-RU"/>
-          </a:p>
-        </p:txBody>
-      </p:sp>
-      <p:sp>
-        <p:nvSpPr>
-          <p:cNvPr id="4" name="Прямоугольник 3"/>
+          <p:cNvPr id="2" name="Прямоугольник 1"/>
           <p:cNvSpPr/>
           <p:nvPr/>
         </p:nvSpPr>
@@ -11179,6 +10527,812 @@
       </p:sp>
       <p:sp>
         <p:nvSpPr>
+          <p:cNvPr id="3" name="Заголовок 1"/>
+          <p:cNvSpPr txBox="1">
+            <a:spLocks/>
+          </p:cNvSpPr>
+          <p:nvPr/>
+        </p:nvSpPr>
+        <p:spPr>
+          <a:xfrm>
+            <a:off x="-98860" y="188640"/>
+            <a:ext cx="9341720" cy="1470025"/>
+          </a:xfrm>
+          <a:prstGeom prst="rect">
+            <a:avLst/>
+          </a:prstGeom>
+        </p:spPr>
+        <p:txBody>
+          <a:bodyPr>
+            <a:noAutofit/>
+          </a:bodyPr>
+          <a:lstStyle>
+            <a:lvl1pPr algn="ctr" defTabSz="914400" rtl="0" eaLnBrk="1" latinLnBrk="0" hangingPunct="1">
+              <a:spcBef>
+                <a:spcPct val="0"/>
+              </a:spcBef>
+              <a:buNone/>
+              <a:defRPr sz="4400" kern="1200">
+                <a:solidFill>
+                  <a:schemeClr val="tx1"/>
+                </a:solidFill>
+                <a:latin typeface="+mj-lt"/>
+                <a:ea typeface="+mj-ea"/>
+                <a:cs typeface="+mj-cs"/>
+              </a:defRPr>
+            </a:lvl1pPr>
+          </a:lstStyle>
+          <a:p>
+            <a:r>
+              <a:rPr lang="ru-RU" sz="10000" dirty="0" smtClean="0">
+                <a:solidFill>
+                  <a:schemeClr val="bg1">
+                    <a:lumMod val="95000"/>
+                  </a:schemeClr>
+                </a:solidFill>
+                <a:latin typeface="Bahnschrift Condensed" panose="020B0502040204020203" pitchFamily="34" charset="0"/>
+              </a:rPr>
+              <a:t>Команда проекта</a:t>
+            </a:r>
+            <a:endParaRPr lang="ru-RU" sz="10000" dirty="0">
+              <a:solidFill>
+                <a:schemeClr val="bg1">
+                  <a:lumMod val="95000"/>
+                </a:schemeClr>
+              </a:solidFill>
+              <a:latin typeface="Bahnschrift Condensed" panose="020B0502040204020203" pitchFamily="34" charset="0"/>
+            </a:endParaRPr>
+          </a:p>
+        </p:txBody>
+      </p:sp>
+      <p:pic>
+        <p:nvPicPr>
+          <p:cNvPr id="1026" name="Picture 2" descr="C:\Users\асус\Desktop\HUCKUNIVERSITY_2019\jz9Qp1zs95c.jpg"/>
+          <p:cNvPicPr>
+            <a:picLocks noChangeAspect="1" noChangeArrowheads="1"/>
+          </p:cNvPicPr>
+          <p:nvPr/>
+        </p:nvPicPr>
+        <p:blipFill rotWithShape="1">
+          <a:blip r:embed="rId2" cstate="print">
+            <a:extLst>
+              <a:ext uri="{BEBA8EAE-BF5A-486C-A8C5-ECC9F3942E4B}">
+                <a14:imgProps xmlns:a14="http://schemas.microsoft.com/office/drawing/2010/main">
+                  <a14:imgLayer r:embed="rId3">
+                    <a14:imgEffect>
+                      <a14:brightnessContrast contrast="20000"/>
+                    </a14:imgEffect>
+                  </a14:imgLayer>
+                </a14:imgProps>
+              </a:ext>
+              <a:ext uri="{28A0092B-C50C-407E-A947-70E740481C1C}">
+                <a14:useLocalDpi xmlns:a14="http://schemas.microsoft.com/office/drawing/2010/main" val="0"/>
+              </a:ext>
+            </a:extLst>
+          </a:blip>
+          <a:srcRect l="1" t="23544" r="23853" b="35219"/>
+          <a:stretch/>
+        </p:blipFill>
+        <p:spPr bwMode="auto">
+          <a:xfrm>
+            <a:off x="3263106" y="2132856"/>
+            <a:ext cx="2617787" cy="2520280"/>
+          </a:xfrm>
+          <a:prstGeom prst="ellipse">
+            <a:avLst/>
+          </a:prstGeom>
+          <a:ln w="63500" cap="rnd">
+            <a:solidFill>
+              <a:schemeClr val="bg1"/>
+            </a:solidFill>
+          </a:ln>
+          <a:effectLst>
+            <a:outerShdw blurRad="381000" dist="292100" dir="5400000" sx="-80000" sy="-18000" rotWithShape="0">
+              <a:srgbClr val="000000">
+                <a:alpha val="22000"/>
+              </a:srgbClr>
+            </a:outerShdw>
+          </a:effectLst>
+          <a:scene3d>
+            <a:camera prst="orthographicFront"/>
+            <a:lightRig rig="contrasting" dir="t">
+              <a:rot lat="0" lon="0" rev="3000000"/>
+            </a:lightRig>
+          </a:scene3d>
+          <a:sp3d contourW="7620">
+            <a:bevelT w="95250" h="31750"/>
+            <a:contourClr>
+              <a:srgbClr val="333333"/>
+            </a:contourClr>
+          </a:sp3d>
+          <a:extLst>
+            <a:ext uri="{909E8E84-426E-40DD-AFC4-6F175D3DCCD1}">
+              <a14:hiddenFill xmlns:a14="http://schemas.microsoft.com/office/drawing/2010/main">
+                <a:solidFill>
+                  <a:srgbClr val="FFFFFF"/>
+                </a:solidFill>
+              </a14:hiddenFill>
+            </a:ext>
+          </a:extLst>
+        </p:spPr>
+      </p:pic>
+      <p:pic>
+        <p:nvPicPr>
+          <p:cNvPr id="1027" name="Picture 3" descr="C:\Users\асус\Desktop\HUCKUNIVERSITY_2019\RVKbPGfxpsE.jpg"/>
+          <p:cNvPicPr>
+            <a:picLocks noChangeAspect="1" noChangeArrowheads="1"/>
+          </p:cNvPicPr>
+          <p:nvPr/>
+        </p:nvPicPr>
+        <p:blipFill rotWithShape="1">
+          <a:blip r:embed="rId4" cstate="print">
+            <a:extLst>
+              <a:ext uri="{BEBA8EAE-BF5A-486C-A8C5-ECC9F3942E4B}">
+                <a14:imgProps xmlns:a14="http://schemas.microsoft.com/office/drawing/2010/main">
+                  <a14:imgLayer r:embed="rId5">
+                    <a14:imgEffect>
+                      <a14:brightnessContrast contrast="20000"/>
+                    </a14:imgEffect>
+                  </a14:imgLayer>
+                </a14:imgProps>
+              </a:ext>
+              <a:ext uri="{28A0092B-C50C-407E-A947-70E740481C1C}">
+                <a14:useLocalDpi xmlns:a14="http://schemas.microsoft.com/office/drawing/2010/main" val="0"/>
+              </a:ext>
+            </a:extLst>
+          </a:blip>
+          <a:srcRect t="4009" b="33048"/>
+          <a:stretch/>
+        </p:blipFill>
+        <p:spPr bwMode="auto">
+          <a:xfrm>
+            <a:off x="395548" y="2103259"/>
+            <a:ext cx="2664296" cy="2573829"/>
+          </a:xfrm>
+          <a:prstGeom prst="ellipse">
+            <a:avLst/>
+          </a:prstGeom>
+          <a:ln w="63500" cap="rnd">
+            <a:solidFill>
+              <a:schemeClr val="bg1"/>
+            </a:solidFill>
+          </a:ln>
+          <a:effectLst>
+            <a:outerShdw blurRad="381000" dist="292100" dir="5400000" sx="-80000" sy="-18000" rotWithShape="0">
+              <a:srgbClr val="000000">
+                <a:alpha val="22000"/>
+              </a:srgbClr>
+            </a:outerShdw>
+          </a:effectLst>
+          <a:scene3d>
+            <a:camera prst="orthographicFront"/>
+            <a:lightRig rig="contrasting" dir="t">
+              <a:rot lat="0" lon="0" rev="3000000"/>
+            </a:lightRig>
+          </a:scene3d>
+          <a:sp3d contourW="7620">
+            <a:bevelT w="95250" h="31750"/>
+            <a:contourClr>
+              <a:srgbClr val="333333"/>
+            </a:contourClr>
+          </a:sp3d>
+          <a:extLst>
+            <a:ext uri="{909E8E84-426E-40DD-AFC4-6F175D3DCCD1}">
+              <a14:hiddenFill xmlns:a14="http://schemas.microsoft.com/office/drawing/2010/main">
+                <a:solidFill>
+                  <a:srgbClr val="FFFFFF"/>
+                </a:solidFill>
+              </a14:hiddenFill>
+            </a:ext>
+          </a:extLst>
+        </p:spPr>
+      </p:pic>
+      <p:pic>
+        <p:nvPicPr>
+          <p:cNvPr id="1028" name="Picture 4" descr="C:\Users\асус\Desktop\HUCKUNIVERSITY_2019\i814cxJo99U.jpg"/>
+          <p:cNvPicPr>
+            <a:picLocks noChangeAspect="1" noChangeArrowheads="1"/>
+          </p:cNvPicPr>
+          <p:nvPr/>
+        </p:nvPicPr>
+        <p:blipFill rotWithShape="1">
+          <a:blip r:embed="rId6" cstate="print">
+            <a:extLst>
+              <a:ext uri="{BEBA8EAE-BF5A-486C-A8C5-ECC9F3942E4B}">
+                <a14:imgProps xmlns:a14="http://schemas.microsoft.com/office/drawing/2010/main">
+                  <a14:imgLayer r:embed="rId7">
+                    <a14:imgEffect>
+                      <a14:brightnessContrast contrast="20000"/>
+                    </a14:imgEffect>
+                  </a14:imgLayer>
+                </a14:imgProps>
+              </a:ext>
+              <a:ext uri="{28A0092B-C50C-407E-A947-70E740481C1C}">
+                <a14:useLocalDpi xmlns:a14="http://schemas.microsoft.com/office/drawing/2010/main" val="0"/>
+              </a:ext>
+            </a:extLst>
+          </a:blip>
+          <a:srcRect t="10375" b="36194"/>
+          <a:stretch/>
+        </p:blipFill>
+        <p:spPr bwMode="auto">
+          <a:xfrm>
+            <a:off x="6137905" y="2108903"/>
+            <a:ext cx="2703784" cy="2568186"/>
+          </a:xfrm>
+          <a:prstGeom prst="ellipse">
+            <a:avLst/>
+          </a:prstGeom>
+          <a:ln w="63500" cap="rnd">
+            <a:solidFill>
+              <a:schemeClr val="bg1"/>
+            </a:solidFill>
+          </a:ln>
+          <a:effectLst>
+            <a:outerShdw blurRad="381000" dist="292100" dir="5400000" sx="-80000" sy="-18000" rotWithShape="0">
+              <a:srgbClr val="000000">
+                <a:alpha val="22000"/>
+              </a:srgbClr>
+            </a:outerShdw>
+          </a:effectLst>
+          <a:scene3d>
+            <a:camera prst="orthographicFront"/>
+            <a:lightRig rig="contrasting" dir="t">
+              <a:rot lat="0" lon="0" rev="3000000"/>
+            </a:lightRig>
+          </a:scene3d>
+          <a:sp3d contourW="7620">
+            <a:bevelT w="95250" h="31750"/>
+            <a:contourClr>
+              <a:srgbClr val="333333"/>
+            </a:contourClr>
+          </a:sp3d>
+          <a:extLst>
+            <a:ext uri="{909E8E84-426E-40DD-AFC4-6F175D3DCCD1}">
+              <a14:hiddenFill xmlns:a14="http://schemas.microsoft.com/office/drawing/2010/main">
+                <a:solidFill>
+                  <a:srgbClr val="FFFFFF"/>
+                </a:solidFill>
+              </a14:hiddenFill>
+            </a:ext>
+          </a:extLst>
+        </p:spPr>
+      </p:pic>
+      <p:sp>
+        <p:nvSpPr>
+          <p:cNvPr id="10" name="TextBox 9"/>
+          <p:cNvSpPr txBox="1"/>
+          <p:nvPr/>
+        </p:nvSpPr>
+        <p:spPr>
+          <a:xfrm>
+            <a:off x="390640" y="4653136"/>
+            <a:ext cx="2617787" cy="1815882"/>
+          </a:xfrm>
+          <a:prstGeom prst="rect">
+            <a:avLst/>
+          </a:prstGeom>
+          <a:noFill/>
+        </p:spPr>
+        <p:txBody>
+          <a:bodyPr wrap="square" rtlCol="0">
+            <a:spAutoFit/>
+          </a:bodyPr>
+          <a:lstStyle/>
+          <a:p>
+            <a:pPr algn="ctr"/>
+            <a:r>
+              <a:rPr lang="ru-RU" sz="2800" dirty="0" smtClean="0">
+                <a:solidFill>
+                  <a:schemeClr val="bg1"/>
+                </a:solidFill>
+                <a:latin typeface="Bahnschrift Light Condensed" panose="020B0502040204020203" pitchFamily="34" charset="0"/>
+              </a:rPr>
+              <a:t>Разработчик аппаратной части</a:t>
+            </a:r>
+            <a:endParaRPr lang="ru-RU" sz="2800" dirty="0">
+              <a:solidFill>
+                <a:schemeClr val="bg1"/>
+              </a:solidFill>
+              <a:latin typeface="Bahnschrift Light Condensed" panose="020B0502040204020203" pitchFamily="34" charset="0"/>
+            </a:endParaRPr>
+          </a:p>
+          <a:p>
+            <a:pPr algn="ctr"/>
+            <a:r>
+              <a:rPr lang="ru-RU" sz="2800" b="1" dirty="0" smtClean="0">
+                <a:solidFill>
+                  <a:srgbClr val="FF0000"/>
+                </a:solidFill>
+                <a:latin typeface="Bahnschrift Light Condensed" panose="020B0502040204020203" pitchFamily="34" charset="0"/>
+              </a:rPr>
+              <a:t>Лихтин Семён</a:t>
+            </a:r>
+          </a:p>
+          <a:p>
+            <a:pPr algn="ctr"/>
+            <a:r>
+              <a:rPr lang="ru-RU" sz="2400" dirty="0" smtClean="0">
+                <a:solidFill>
+                  <a:schemeClr val="bg1"/>
+                </a:solidFill>
+                <a:latin typeface="Bahnschrift Light Condensed" panose="020B0502040204020203" pitchFamily="34" charset="0"/>
+              </a:rPr>
+              <a:t>8(909)7572282</a:t>
+            </a:r>
+            <a:endParaRPr lang="ru-RU" sz="2400" b="1" dirty="0">
+              <a:solidFill>
+                <a:schemeClr val="bg1"/>
+              </a:solidFill>
+              <a:latin typeface="Bahnschrift Light Condensed" panose="020B0502040204020203" pitchFamily="34" charset="0"/>
+            </a:endParaRPr>
+          </a:p>
+        </p:txBody>
+      </p:sp>
+      <p:sp>
+        <p:nvSpPr>
+          <p:cNvPr id="11" name="TextBox 10"/>
+          <p:cNvSpPr txBox="1"/>
+          <p:nvPr/>
+        </p:nvSpPr>
+        <p:spPr>
+          <a:xfrm>
+            <a:off x="6247191" y="4653136"/>
+            <a:ext cx="2617787" cy="1815882"/>
+          </a:xfrm>
+          <a:prstGeom prst="rect">
+            <a:avLst/>
+          </a:prstGeom>
+          <a:noFill/>
+        </p:spPr>
+        <p:txBody>
+          <a:bodyPr wrap="square" rtlCol="0">
+            <a:spAutoFit/>
+          </a:bodyPr>
+          <a:lstStyle/>
+          <a:p>
+            <a:pPr algn="ctr"/>
+            <a:r>
+              <a:rPr lang="ru-RU" sz="2800" dirty="0" smtClean="0">
+                <a:solidFill>
+                  <a:schemeClr val="bg1"/>
+                </a:solidFill>
+                <a:latin typeface="Bahnschrift Light Condensed" panose="020B0502040204020203" pitchFamily="34" charset="0"/>
+              </a:rPr>
+              <a:t>Разработчик программной части</a:t>
+            </a:r>
+            <a:endParaRPr lang="ru-RU" sz="2800" dirty="0">
+              <a:solidFill>
+                <a:schemeClr val="bg1"/>
+              </a:solidFill>
+              <a:latin typeface="Bahnschrift Light Condensed" panose="020B0502040204020203" pitchFamily="34" charset="0"/>
+            </a:endParaRPr>
+          </a:p>
+          <a:p>
+            <a:pPr algn="ctr"/>
+            <a:r>
+              <a:rPr lang="ru-RU" sz="2800" b="1" dirty="0" smtClean="0">
+                <a:solidFill>
+                  <a:srgbClr val="FF0000"/>
+                </a:solidFill>
+                <a:latin typeface="Bahnschrift Light Condensed" panose="020B0502040204020203" pitchFamily="34" charset="0"/>
+              </a:rPr>
+              <a:t>Абакумов Дмитрий</a:t>
+            </a:r>
+          </a:p>
+          <a:p>
+            <a:pPr algn="ctr"/>
+            <a:r>
+              <a:rPr lang="ru-RU" sz="2400" dirty="0" smtClean="0">
+                <a:solidFill>
+                  <a:schemeClr val="bg1"/>
+                </a:solidFill>
+                <a:latin typeface="Bahnschrift Light Condensed" panose="020B0502040204020203" pitchFamily="34" charset="0"/>
+              </a:rPr>
+              <a:t>8(999)6996120</a:t>
+            </a:r>
+            <a:endParaRPr lang="ru-RU" sz="2400" b="1" dirty="0">
+              <a:solidFill>
+                <a:schemeClr val="bg1"/>
+              </a:solidFill>
+              <a:latin typeface="Bahnschrift Light Condensed" panose="020B0502040204020203" pitchFamily="34" charset="0"/>
+            </a:endParaRPr>
+          </a:p>
+        </p:txBody>
+      </p:sp>
+      <p:sp>
+        <p:nvSpPr>
+          <p:cNvPr id="12" name="TextBox 11"/>
+          <p:cNvSpPr txBox="1"/>
+          <p:nvPr/>
+        </p:nvSpPr>
+        <p:spPr>
+          <a:xfrm>
+            <a:off x="3008427" y="4653136"/>
+            <a:ext cx="3129478" cy="1754326"/>
+          </a:xfrm>
+          <a:prstGeom prst="rect">
+            <a:avLst/>
+          </a:prstGeom>
+          <a:noFill/>
+        </p:spPr>
+        <p:txBody>
+          <a:bodyPr wrap="square" rtlCol="0">
+            <a:spAutoFit/>
+          </a:bodyPr>
+          <a:lstStyle/>
+          <a:p>
+            <a:pPr algn="ctr"/>
+            <a:r>
+              <a:rPr lang="ru-RU" sz="2800" dirty="0" smtClean="0">
+                <a:solidFill>
+                  <a:schemeClr val="bg1"/>
+                </a:solidFill>
+                <a:latin typeface="Bahnschrift Light Condensed" panose="020B0502040204020203" pitchFamily="34" charset="0"/>
+              </a:rPr>
+              <a:t>Спикер</a:t>
+            </a:r>
+            <a:r>
+              <a:rPr lang="en-US" sz="2800" dirty="0" smtClean="0">
+                <a:solidFill>
+                  <a:schemeClr val="bg1"/>
+                </a:solidFill>
+                <a:latin typeface="Bahnschrift Light Condensed" panose="020B0502040204020203" pitchFamily="34" charset="0"/>
+              </a:rPr>
+              <a:t>/</a:t>
+            </a:r>
+            <a:r>
+              <a:rPr lang="ru-RU" sz="2800" dirty="0" smtClean="0">
+                <a:solidFill>
+                  <a:schemeClr val="bg1"/>
+                </a:solidFill>
+                <a:latin typeface="Bahnschrift Light Condensed" panose="020B0502040204020203" pitchFamily="34" charset="0"/>
+              </a:rPr>
+              <a:t>дизайнер</a:t>
+            </a:r>
+          </a:p>
+          <a:p>
+            <a:pPr algn="ctr"/>
+            <a:endParaRPr lang="ru-RU" sz="2800" dirty="0">
+              <a:solidFill>
+                <a:schemeClr val="bg1"/>
+              </a:solidFill>
+              <a:latin typeface="Bahnschrift Light Condensed" panose="020B0502040204020203" pitchFamily="34" charset="0"/>
+            </a:endParaRPr>
+          </a:p>
+          <a:p>
+            <a:pPr algn="ctr"/>
+            <a:r>
+              <a:rPr lang="ru-RU" sz="2800" b="1" dirty="0" smtClean="0">
+                <a:solidFill>
+                  <a:srgbClr val="FF0000"/>
+                </a:solidFill>
+                <a:latin typeface="Bahnschrift Light Condensed" panose="020B0502040204020203" pitchFamily="34" charset="0"/>
+              </a:rPr>
+              <a:t>Самойленко Валерия</a:t>
+            </a:r>
+            <a:endParaRPr lang="en-US" sz="2400" b="1" dirty="0" smtClean="0">
+              <a:solidFill>
+                <a:schemeClr val="bg1"/>
+              </a:solidFill>
+              <a:latin typeface="Bahnschrift Light Condensed" panose="020B0502040204020203" pitchFamily="34" charset="0"/>
+            </a:endParaRPr>
+          </a:p>
+          <a:p>
+            <a:pPr algn="ctr"/>
+            <a:r>
+              <a:rPr lang="en-US" sz="2400" b="1" dirty="0" smtClean="0">
+                <a:solidFill>
+                  <a:schemeClr val="bg1"/>
+                </a:solidFill>
+                <a:latin typeface="Bahnschrift Light Condensed" panose="020B0502040204020203" pitchFamily="34" charset="0"/>
+              </a:rPr>
+              <a:t>8(918) 561 - 71 </a:t>
+            </a:r>
+            <a:endParaRPr lang="ru-RU" sz="2400" b="1" dirty="0">
+              <a:solidFill>
+                <a:schemeClr val="bg1"/>
+              </a:solidFill>
+              <a:latin typeface="Bahnschrift Light Condensed" panose="020B0502040204020203" pitchFamily="34" charset="0"/>
+            </a:endParaRPr>
+          </a:p>
+        </p:txBody>
+      </p:sp>
+    </p:spTree>
+    <p:extLst>
+      <p:ext uri="{BB962C8B-B14F-4D97-AF65-F5344CB8AC3E}">
+        <p14:creationId xmlns:p14="http://schemas.microsoft.com/office/powerpoint/2010/main" val="1303234111"/>
+      </p:ext>
+    </p:extLst>
+  </p:cSld>
+  <p:clrMapOvr>
+    <a:masterClrMapping/>
+  </p:clrMapOvr>
+  <p:timing>
+    <p:tnLst>
+      <p:par>
+        <p:cTn id="1" dur="indefinite" restart="never" nodeType="tmRoot"/>
+      </p:par>
+    </p:tnLst>
+  </p:timing>
+</p:sld>
+</file>
+
+<file path=ppt/slides/slide22.xml><?xml version="1.0" encoding="utf-8"?>
+<p:sld xmlns:a="http://schemas.openxmlformats.org/drawingml/2006/main" xmlns:r="http://schemas.openxmlformats.org/officeDocument/2006/relationships" xmlns:p="http://schemas.openxmlformats.org/presentationml/2006/main">
+  <p:cSld>
+    <p:spTree>
+      <p:nvGrpSpPr>
+        <p:cNvPr id="1" name=""/>
+        <p:cNvGrpSpPr/>
+        <p:nvPr/>
+      </p:nvGrpSpPr>
+      <p:grpSpPr>
+        <a:xfrm>
+          <a:off x="0" y="0"/>
+          <a:ext cx="0" cy="0"/>
+          <a:chOff x="0" y="0"/>
+          <a:chExt cx="0" cy="0"/>
+        </a:xfrm>
+      </p:grpSpPr>
+      <p:sp>
+        <p:nvSpPr>
+          <p:cNvPr id="3" name="Прямоугольник 2"/>
+          <p:cNvSpPr/>
+          <p:nvPr/>
+        </p:nvSpPr>
+        <p:spPr>
+          <a:xfrm>
+            <a:off x="0" y="5712"/>
+            <a:ext cx="9144000" cy="6858000"/>
+          </a:xfrm>
+          <a:prstGeom prst="rect">
+            <a:avLst/>
+          </a:prstGeom>
+        </p:spPr>
+        <p:style>
+          <a:lnRef idx="2">
+            <a:schemeClr val="dk1">
+              <a:shade val="50000"/>
+            </a:schemeClr>
+          </a:lnRef>
+          <a:fillRef idx="1">
+            <a:schemeClr val="dk1"/>
+          </a:fillRef>
+          <a:effectRef idx="0">
+            <a:schemeClr val="dk1"/>
+          </a:effectRef>
+          <a:fontRef idx="minor">
+            <a:schemeClr val="lt1"/>
+          </a:fontRef>
+        </p:style>
+        <p:txBody>
+          <a:bodyPr rtlCol="0" anchor="ctr"/>
+          <a:lstStyle/>
+          <a:p>
+            <a:pPr algn="ctr"/>
+            <a:endParaRPr lang="ru-RU" sz="6600" dirty="0">
+              <a:solidFill>
+                <a:srgbClr val="FF0000"/>
+              </a:solidFill>
+              <a:latin typeface="Bahnschrift Condensed" panose="020B0502040204020203" pitchFamily="34" charset="0"/>
+            </a:endParaRPr>
+          </a:p>
+        </p:txBody>
+      </p:sp>
+      <p:sp>
+        <p:nvSpPr>
+          <p:cNvPr id="2" name="Прямоугольник 1"/>
+          <p:cNvSpPr/>
+          <p:nvPr/>
+        </p:nvSpPr>
+        <p:spPr>
+          <a:xfrm>
+            <a:off x="215516" y="5589240"/>
+            <a:ext cx="8712968" cy="523220"/>
+          </a:xfrm>
+          <a:prstGeom prst="rect">
+            <a:avLst/>
+          </a:prstGeom>
+        </p:spPr>
+        <p:txBody>
+          <a:bodyPr wrap="square">
+            <a:spAutoFit/>
+          </a:bodyPr>
+          <a:lstStyle/>
+          <a:p>
+            <a:pPr algn="ctr"/>
+            <a:r>
+              <a:rPr lang="en-US" sz="2800" dirty="0" smtClean="0">
+                <a:solidFill>
+                  <a:schemeClr val="bg1"/>
+                </a:solidFill>
+                <a:latin typeface="Bahnschrift Light Condensed" panose="020B0502040204020203" pitchFamily="34" charset="0"/>
+                <a:hlinkClick r:id="rId2"/>
+              </a:rPr>
+              <a:t>https://github.com/0MazaHacka0/hackuniversity_2019_smarttech</a:t>
+            </a:r>
+            <a:r>
+              <a:rPr lang="ru-RU" sz="2800" dirty="0" smtClean="0">
+                <a:solidFill>
+                  <a:schemeClr val="bg1"/>
+                </a:solidFill>
+                <a:latin typeface="Bahnschrift Light Condensed" panose="020B0502040204020203" pitchFamily="34" charset="0"/>
+              </a:rPr>
+              <a:t> </a:t>
+            </a:r>
+            <a:endParaRPr lang="ru-RU" sz="2800" dirty="0">
+              <a:solidFill>
+                <a:schemeClr val="bg1"/>
+              </a:solidFill>
+              <a:latin typeface="Bahnschrift Light Condensed" panose="020B0502040204020203" pitchFamily="34" charset="0"/>
+            </a:endParaRPr>
+          </a:p>
+        </p:txBody>
+      </p:sp>
+      <p:pic>
+        <p:nvPicPr>
+          <p:cNvPr id="3074" name="Picture 2" descr="C:\Users\асус\Desktop\HUCKUNIVERSITY_2019\иконки\qr-code.gif"/>
+          <p:cNvPicPr>
+            <a:picLocks noChangeAspect="1" noChangeArrowheads="1"/>
+          </p:cNvPicPr>
+          <p:nvPr/>
+        </p:nvPicPr>
+        <p:blipFill>
+          <a:blip r:embed="rId3">
+            <a:extLst>
+              <a:ext uri="{28A0092B-C50C-407E-A947-70E740481C1C}">
+                <a14:useLocalDpi xmlns:a14="http://schemas.microsoft.com/office/drawing/2010/main" val="0"/>
+              </a:ext>
+            </a:extLst>
+          </a:blip>
+          <a:srcRect/>
+          <a:stretch>
+            <a:fillRect/>
+          </a:stretch>
+        </p:blipFill>
+        <p:spPr bwMode="auto">
+          <a:xfrm>
+            <a:off x="1908848" y="404664"/>
+            <a:ext cx="4924400" cy="4924400"/>
+          </a:xfrm>
+          <a:prstGeom prst="rect">
+            <a:avLst/>
+          </a:prstGeom>
+          <a:noFill/>
+          <a:extLst>
+            <a:ext uri="{909E8E84-426E-40DD-AFC4-6F175D3DCCD1}">
+              <a14:hiddenFill xmlns:a14="http://schemas.microsoft.com/office/drawing/2010/main">
+                <a:solidFill>
+                  <a:srgbClr val="FFFFFF"/>
+                </a:solidFill>
+              </a14:hiddenFill>
+            </a:ext>
+          </a:extLst>
+        </p:spPr>
+      </p:pic>
+    </p:spTree>
+    <p:extLst>
+      <p:ext uri="{BB962C8B-B14F-4D97-AF65-F5344CB8AC3E}">
+        <p14:creationId xmlns:p14="http://schemas.microsoft.com/office/powerpoint/2010/main" val="1049598379"/>
+      </p:ext>
+    </p:extLst>
+  </p:cSld>
+  <p:clrMapOvr>
+    <a:masterClrMapping/>
+  </p:clrMapOvr>
+  <p:timing>
+    <p:tnLst>
+      <p:par>
+        <p:cTn id="1" dur="indefinite" restart="never" nodeType="tmRoot"/>
+      </p:par>
+    </p:tnLst>
+  </p:timing>
+</p:sld>
+</file>
+
+<file path=ppt/slides/slide23.xml><?xml version="1.0" encoding="utf-8"?>
+<p:sld xmlns:a="http://schemas.openxmlformats.org/drawingml/2006/main" xmlns:r="http://schemas.openxmlformats.org/officeDocument/2006/relationships" xmlns:p="http://schemas.openxmlformats.org/presentationml/2006/main">
+  <p:cSld>
+    <p:spTree>
+      <p:nvGrpSpPr>
+        <p:cNvPr id="1" name=""/>
+        <p:cNvGrpSpPr/>
+        <p:nvPr/>
+      </p:nvGrpSpPr>
+      <p:grpSpPr>
+        <a:xfrm>
+          <a:off x="0" y="0"/>
+          <a:ext cx="0" cy="0"/>
+          <a:chOff x="0" y="0"/>
+          <a:chExt cx="0" cy="0"/>
+        </a:xfrm>
+      </p:grpSpPr>
+      <p:sp>
+        <p:nvSpPr>
+          <p:cNvPr id="2" name="Заголовок 1"/>
+          <p:cNvSpPr>
+            <a:spLocks noGrp="1"/>
+          </p:cNvSpPr>
+          <p:nvPr>
+            <p:ph type="title"/>
+          </p:nvPr>
+        </p:nvSpPr>
+        <p:spPr/>
+        <p:txBody>
+          <a:bodyPr/>
+          <a:lstStyle/>
+          <a:p>
+            <a:endParaRPr lang="ru-RU"/>
+          </a:p>
+        </p:txBody>
+      </p:sp>
+      <p:sp>
+        <p:nvSpPr>
+          <p:cNvPr id="3" name="Объект 2"/>
+          <p:cNvSpPr>
+            <a:spLocks noGrp="1"/>
+          </p:cNvSpPr>
+          <p:nvPr>
+            <p:ph idx="1"/>
+          </p:nvPr>
+        </p:nvSpPr>
+        <p:spPr/>
+        <p:txBody>
+          <a:bodyPr/>
+          <a:lstStyle/>
+          <a:p>
+            <a:endParaRPr lang="ru-RU"/>
+          </a:p>
+        </p:txBody>
+      </p:sp>
+      <p:sp>
+        <p:nvSpPr>
+          <p:cNvPr id="4" name="Прямоугольник 3"/>
+          <p:cNvSpPr/>
+          <p:nvPr/>
+        </p:nvSpPr>
+        <p:spPr>
+          <a:xfrm>
+            <a:off x="0" y="5712"/>
+            <a:ext cx="9144000" cy="6858000"/>
+          </a:xfrm>
+          <a:prstGeom prst="rect">
+            <a:avLst/>
+          </a:prstGeom>
+        </p:spPr>
+        <p:style>
+          <a:lnRef idx="2">
+            <a:schemeClr val="dk1">
+              <a:shade val="50000"/>
+            </a:schemeClr>
+          </a:lnRef>
+          <a:fillRef idx="1">
+            <a:schemeClr val="dk1"/>
+          </a:fillRef>
+          <a:effectRef idx="0">
+            <a:schemeClr val="dk1"/>
+          </a:effectRef>
+          <a:fontRef idx="minor">
+            <a:schemeClr val="lt1"/>
+          </a:fontRef>
+        </p:style>
+        <p:txBody>
+          <a:bodyPr rtlCol="0" anchor="ctr"/>
+          <a:lstStyle/>
+          <a:p>
+            <a:pPr algn="ctr"/>
+            <a:endParaRPr lang="ru-RU" sz="6600" dirty="0">
+              <a:solidFill>
+                <a:srgbClr val="FF0000"/>
+              </a:solidFill>
+              <a:latin typeface="Bahnschrift Condensed" panose="020B0502040204020203" pitchFamily="34" charset="0"/>
+            </a:endParaRPr>
+          </a:p>
+        </p:txBody>
+      </p:sp>
+      <p:sp>
+        <p:nvSpPr>
           <p:cNvPr id="5" name="Прямоугольник 4"/>
           <p:cNvSpPr/>
           <p:nvPr/>
@@ -11392,7 +11546,7 @@
         </p:nvSpPr>
         <p:spPr>
           <a:xfrm>
-            <a:off x="3491880" y="3486831"/>
+            <a:off x="3346728" y="2771503"/>
             <a:ext cx="1801957" cy="108504"/>
           </a:xfrm>
           <a:prstGeom prst="rightArrow">
@@ -11434,6 +11588,512 @@
       </p:sp>
       <p:sp>
         <p:nvSpPr>
+          <p:cNvPr id="12" name="TextBox 11"/>
+          <p:cNvSpPr txBox="1"/>
+          <p:nvPr/>
+        </p:nvSpPr>
+        <p:spPr>
+          <a:xfrm>
+            <a:off x="5174430" y="810283"/>
+            <a:ext cx="3969570" cy="646331"/>
+          </a:xfrm>
+          <a:prstGeom prst="rect">
+            <a:avLst/>
+          </a:prstGeom>
+          <a:noFill/>
+        </p:spPr>
+        <p:txBody>
+          <a:bodyPr wrap="square" rtlCol="0">
+            <a:spAutoFit/>
+          </a:bodyPr>
+          <a:lstStyle/>
+          <a:p>
+            <a:r>
+              <a:rPr lang="en-US" sz="3600" b="1" dirty="0" smtClean="0">
+                <a:solidFill>
+                  <a:srgbClr val="FF0000"/>
+                </a:solidFill>
+                <a:latin typeface="Bahnschrift Light Condensed" panose="020B0502040204020203" pitchFamily="34" charset="0"/>
+              </a:rPr>
+              <a:t>Android-</a:t>
+            </a:r>
+            <a:r>
+              <a:rPr lang="ru-RU" sz="3600" b="1" dirty="0" smtClean="0">
+                <a:solidFill>
+                  <a:srgbClr val="FF0000"/>
+                </a:solidFill>
+                <a:latin typeface="Bahnschrift Light Condensed" panose="020B0502040204020203" pitchFamily="34" charset="0"/>
+              </a:rPr>
+              <a:t>приложение</a:t>
+            </a:r>
+            <a:endParaRPr lang="ru-RU" sz="3600" b="1" dirty="0">
+              <a:solidFill>
+                <a:srgbClr val="FF0000"/>
+              </a:solidFill>
+              <a:latin typeface="Bahnschrift Light Condensed" panose="020B0502040204020203" pitchFamily="34" charset="0"/>
+            </a:endParaRPr>
+          </a:p>
+        </p:txBody>
+      </p:sp>
+      <p:sp>
+        <p:nvSpPr>
+          <p:cNvPr id="14" name="TextBox 13"/>
+          <p:cNvSpPr txBox="1"/>
+          <p:nvPr/>
+        </p:nvSpPr>
+        <p:spPr>
+          <a:xfrm>
+            <a:off x="5249217" y="1424728"/>
+            <a:ext cx="3528392" cy="2554545"/>
+          </a:xfrm>
+          <a:prstGeom prst="rect">
+            <a:avLst/>
+          </a:prstGeom>
+          <a:noFill/>
+        </p:spPr>
+        <p:txBody>
+          <a:bodyPr wrap="square" rtlCol="0">
+            <a:spAutoFit/>
+          </a:bodyPr>
+          <a:lstStyle/>
+          <a:p>
+            <a:r>
+              <a:rPr lang="en-US" sz="4000" b="1" dirty="0" smtClean="0">
+                <a:solidFill>
+                  <a:schemeClr val="bg1"/>
+                </a:solidFill>
+                <a:latin typeface="Bahnschrift Light Condensed" panose="020B0502040204020203" pitchFamily="34" charset="0"/>
+              </a:rPr>
+              <a:t>Here maps</a:t>
+            </a:r>
+          </a:p>
+          <a:p>
+            <a:r>
+              <a:rPr lang="en-US" sz="4000" b="1" dirty="0" smtClean="0">
+                <a:solidFill>
+                  <a:schemeClr val="bg1"/>
+                </a:solidFill>
+                <a:latin typeface="Bahnschrift Light Condensed" panose="020B0502040204020203" pitchFamily="34" charset="0"/>
+              </a:rPr>
+              <a:t>Java</a:t>
+            </a:r>
+          </a:p>
+          <a:p>
+            <a:r>
+              <a:rPr lang="en-US" sz="4000" b="1" dirty="0" err="1" smtClean="0">
+                <a:solidFill>
+                  <a:schemeClr val="bg1"/>
+                </a:solidFill>
+                <a:latin typeface="Bahnschrift Light Condensed" panose="020B0502040204020203" pitchFamily="34" charset="0"/>
+              </a:rPr>
+              <a:t>RxJava</a:t>
+            </a:r>
+            <a:r>
+              <a:rPr lang="en-US" sz="4000" b="1" dirty="0" smtClean="0">
+                <a:solidFill>
+                  <a:schemeClr val="bg1"/>
+                </a:solidFill>
+                <a:latin typeface="Bahnschrift Light Condensed" panose="020B0502040204020203" pitchFamily="34" charset="0"/>
+              </a:rPr>
+              <a:t> 2</a:t>
+            </a:r>
+          </a:p>
+          <a:p>
+            <a:r>
+              <a:rPr lang="en-US" sz="4000" b="1" dirty="0" smtClean="0">
+                <a:solidFill>
+                  <a:schemeClr val="bg1"/>
+                </a:solidFill>
+                <a:latin typeface="Bahnschrift Light Condensed" panose="020B0502040204020203" pitchFamily="34" charset="0"/>
+              </a:rPr>
+              <a:t>Retrofit</a:t>
+            </a:r>
+            <a:endParaRPr lang="ru-RU" sz="4000" b="1" dirty="0">
+              <a:solidFill>
+                <a:schemeClr val="bg1"/>
+              </a:solidFill>
+              <a:latin typeface="Bahnschrift Light Condensed" panose="020B0502040204020203" pitchFamily="34" charset="0"/>
+            </a:endParaRPr>
+          </a:p>
+        </p:txBody>
+      </p:sp>
+    </p:spTree>
+    <p:extLst>
+      <p:ext uri="{BB962C8B-B14F-4D97-AF65-F5344CB8AC3E}">
+        <p14:creationId xmlns:p14="http://schemas.microsoft.com/office/powerpoint/2010/main" val="2152991558"/>
+      </p:ext>
+    </p:extLst>
+  </p:cSld>
+  <p:clrMapOvr>
+    <a:masterClrMapping/>
+  </p:clrMapOvr>
+  <p:timing>
+    <p:tnLst>
+      <p:par>
+        <p:cTn id="1" dur="indefinite" restart="never" nodeType="tmRoot"/>
+      </p:par>
+    </p:tnLst>
+  </p:timing>
+</p:sld>
+</file>
+
+<file path=ppt/slides/slide24.xml><?xml version="1.0" encoding="utf-8"?>
+<p:sld xmlns:a="http://schemas.openxmlformats.org/drawingml/2006/main" xmlns:r="http://schemas.openxmlformats.org/officeDocument/2006/relationships" xmlns:p="http://schemas.openxmlformats.org/presentationml/2006/main">
+  <p:cSld>
+    <p:spTree>
+      <p:nvGrpSpPr>
+        <p:cNvPr id="1" name=""/>
+        <p:cNvGrpSpPr/>
+        <p:nvPr/>
+      </p:nvGrpSpPr>
+      <p:grpSpPr>
+        <a:xfrm>
+          <a:off x="0" y="0"/>
+          <a:ext cx="0" cy="0"/>
+          <a:chOff x="0" y="0"/>
+          <a:chExt cx="0" cy="0"/>
+        </a:xfrm>
+      </p:grpSpPr>
+      <p:sp>
+        <p:nvSpPr>
+          <p:cNvPr id="2" name="Заголовок 1"/>
+          <p:cNvSpPr>
+            <a:spLocks noGrp="1"/>
+          </p:cNvSpPr>
+          <p:nvPr>
+            <p:ph type="title"/>
+          </p:nvPr>
+        </p:nvSpPr>
+        <p:spPr/>
+        <p:txBody>
+          <a:bodyPr/>
+          <a:lstStyle/>
+          <a:p>
+            <a:endParaRPr lang="ru-RU"/>
+          </a:p>
+        </p:txBody>
+      </p:sp>
+      <p:sp>
+        <p:nvSpPr>
+          <p:cNvPr id="3" name="Объект 2"/>
+          <p:cNvSpPr>
+            <a:spLocks noGrp="1"/>
+          </p:cNvSpPr>
+          <p:nvPr>
+            <p:ph idx="1"/>
+          </p:nvPr>
+        </p:nvSpPr>
+        <p:spPr/>
+        <p:txBody>
+          <a:bodyPr/>
+          <a:lstStyle/>
+          <a:p>
+            <a:endParaRPr lang="ru-RU"/>
+          </a:p>
+        </p:txBody>
+      </p:sp>
+      <p:sp>
+        <p:nvSpPr>
+          <p:cNvPr id="4" name="Прямоугольник 3"/>
+          <p:cNvSpPr/>
+          <p:nvPr/>
+        </p:nvSpPr>
+        <p:spPr>
+          <a:xfrm>
+            <a:off x="0" y="5712"/>
+            <a:ext cx="9144000" cy="6858000"/>
+          </a:xfrm>
+          <a:prstGeom prst="rect">
+            <a:avLst/>
+          </a:prstGeom>
+        </p:spPr>
+        <p:style>
+          <a:lnRef idx="2">
+            <a:schemeClr val="dk1">
+              <a:shade val="50000"/>
+            </a:schemeClr>
+          </a:lnRef>
+          <a:fillRef idx="1">
+            <a:schemeClr val="dk1"/>
+          </a:fillRef>
+          <a:effectRef idx="0">
+            <a:schemeClr val="dk1"/>
+          </a:effectRef>
+          <a:fontRef idx="minor">
+            <a:schemeClr val="lt1"/>
+          </a:fontRef>
+        </p:style>
+        <p:txBody>
+          <a:bodyPr rtlCol="0" anchor="ctr"/>
+          <a:lstStyle/>
+          <a:p>
+            <a:pPr algn="ctr"/>
+            <a:endParaRPr lang="ru-RU" sz="6600" dirty="0">
+              <a:solidFill>
+                <a:srgbClr val="FF0000"/>
+              </a:solidFill>
+              <a:latin typeface="Bahnschrift Condensed" panose="020B0502040204020203" pitchFamily="34" charset="0"/>
+            </a:endParaRPr>
+          </a:p>
+        </p:txBody>
+      </p:sp>
+      <p:sp>
+        <p:nvSpPr>
+          <p:cNvPr id="5" name="Прямоугольник 4"/>
+          <p:cNvSpPr/>
+          <p:nvPr/>
+        </p:nvSpPr>
+        <p:spPr>
+          <a:xfrm>
+            <a:off x="899592" y="1772816"/>
+            <a:ext cx="2448272" cy="216024"/>
+          </a:xfrm>
+          <a:prstGeom prst="rect">
+            <a:avLst/>
+          </a:prstGeom>
+          <a:ln>
+            <a:solidFill>
+              <a:srgbClr val="92D050"/>
+            </a:solidFill>
+          </a:ln>
+        </p:spPr>
+        <p:style>
+          <a:lnRef idx="2">
+            <a:schemeClr val="accent3">
+              <a:shade val="50000"/>
+            </a:schemeClr>
+          </a:lnRef>
+          <a:fillRef idx="1">
+            <a:schemeClr val="accent3"/>
+          </a:fillRef>
+          <a:effectRef idx="0">
+            <a:schemeClr val="accent3"/>
+          </a:effectRef>
+          <a:fontRef idx="minor">
+            <a:schemeClr val="lt1"/>
+          </a:fontRef>
+        </p:style>
+        <p:txBody>
+          <a:bodyPr rtlCol="0" anchor="ctr"/>
+          <a:lstStyle/>
+          <a:p>
+            <a:pPr algn="ctr"/>
+            <a:endParaRPr lang="ru-RU"/>
+          </a:p>
+        </p:txBody>
+      </p:sp>
+      <p:pic>
+        <p:nvPicPr>
+          <p:cNvPr id="6" name="Picture 2" descr="C:\Users\асус\Desktop\HUCKUNIVERSITY_2019\иконки\18л.png"/>
+          <p:cNvPicPr>
+            <a:picLocks noChangeAspect="1" noChangeArrowheads="1"/>
+          </p:cNvPicPr>
+          <p:nvPr/>
+        </p:nvPicPr>
+        <p:blipFill>
+          <a:blip r:embed="rId2" cstate="print">
+            <a:extLst>
+              <a:ext uri="{28A0092B-C50C-407E-A947-70E740481C1C}">
+                <a14:useLocalDpi xmlns:a14="http://schemas.microsoft.com/office/drawing/2010/main" val="0"/>
+              </a:ext>
+            </a:extLst>
+          </a:blip>
+          <a:srcRect/>
+          <a:stretch>
+            <a:fillRect/>
+          </a:stretch>
+        </p:blipFill>
+        <p:spPr bwMode="auto">
+          <a:xfrm>
+            <a:off x="-301253" y="992247"/>
+            <a:ext cx="4849961" cy="4849961"/>
+          </a:xfrm>
+          <a:prstGeom prst="rect">
+            <a:avLst/>
+          </a:prstGeom>
+          <a:noFill/>
+          <a:extLst>
+            <a:ext uri="{909E8E84-426E-40DD-AFC4-6F175D3DCCD1}">
+              <a14:hiddenFill xmlns:a14="http://schemas.microsoft.com/office/drawing/2010/main">
+                <a:solidFill>
+                  <a:srgbClr val="FFFFFF"/>
+                </a:solidFill>
+              </a14:hiddenFill>
+            </a:ext>
+          </a:extLst>
+        </p:spPr>
+      </p:pic>
+      <p:pic>
+        <p:nvPicPr>
+          <p:cNvPr id="7" name="Picture 3" descr="C:\Users\асус\Desktop\HUCKUNIVERSITY_2019\4.jpg"/>
+          <p:cNvPicPr>
+            <a:picLocks noChangeAspect="1" noChangeArrowheads="1"/>
+          </p:cNvPicPr>
+          <p:nvPr/>
+        </p:nvPicPr>
+        <p:blipFill>
+          <a:blip r:embed="rId3" cstate="print">
+            <a:extLst>
+              <a:ext uri="{28A0092B-C50C-407E-A947-70E740481C1C}">
+                <a14:useLocalDpi xmlns:a14="http://schemas.microsoft.com/office/drawing/2010/main" val="0"/>
+              </a:ext>
+            </a:extLst>
+          </a:blip>
+          <a:srcRect/>
+          <a:stretch>
+            <a:fillRect/>
+          </a:stretch>
+        </p:blipFill>
+        <p:spPr bwMode="auto">
+          <a:xfrm>
+            <a:off x="1125897" y="2363057"/>
+            <a:ext cx="2042244" cy="1123774"/>
+          </a:xfrm>
+          <a:prstGeom prst="rect">
+            <a:avLst/>
+          </a:prstGeom>
+          <a:noFill/>
+          <a:extLst>
+            <a:ext uri="{909E8E84-426E-40DD-AFC4-6F175D3DCCD1}">
+              <a14:hiddenFill xmlns:a14="http://schemas.microsoft.com/office/drawing/2010/main">
+                <a:solidFill>
+                  <a:srgbClr val="FFFFFF"/>
+                </a:solidFill>
+              </a14:hiddenFill>
+            </a:ext>
+          </a:extLst>
+        </p:spPr>
+      </p:pic>
+      <p:sp>
+        <p:nvSpPr>
+          <p:cNvPr id="8" name="TextBox 7"/>
+          <p:cNvSpPr txBox="1"/>
+          <p:nvPr/>
+        </p:nvSpPr>
+        <p:spPr>
+          <a:xfrm>
+            <a:off x="2519475" y="1726939"/>
+            <a:ext cx="828389" cy="307777"/>
+          </a:xfrm>
+          <a:prstGeom prst="rect">
+            <a:avLst/>
+          </a:prstGeom>
+          <a:noFill/>
+        </p:spPr>
+        <p:txBody>
+          <a:bodyPr wrap="square" rtlCol="0">
+            <a:spAutoFit/>
+          </a:bodyPr>
+          <a:lstStyle/>
+          <a:p>
+            <a:r>
+              <a:rPr lang="ru-RU" sz="1400" b="1" dirty="0" smtClean="0">
+                <a:solidFill>
+                  <a:schemeClr val="bg1"/>
+                </a:solidFill>
+              </a:rPr>
+              <a:t>12:38</a:t>
+            </a:r>
+            <a:endParaRPr lang="ru-RU" sz="1400" b="1" dirty="0">
+              <a:solidFill>
+                <a:schemeClr val="bg1"/>
+              </a:solidFill>
+            </a:endParaRPr>
+          </a:p>
+        </p:txBody>
+      </p:sp>
+      <p:pic>
+        <p:nvPicPr>
+          <p:cNvPr id="9" name="Picture 4" descr="C:\Users\асус\Desktop\HUCKUNIVERSITY_2019\260318.png"/>
+          <p:cNvPicPr>
+            <a:picLocks noChangeAspect="1" noChangeArrowheads="1"/>
+          </p:cNvPicPr>
+          <p:nvPr/>
+        </p:nvPicPr>
+        <p:blipFill>
+          <a:blip r:embed="rId4" cstate="print">
+            <a:lum bright="70000" contrast="-70000"/>
+            <a:extLst>
+              <a:ext uri="{28A0092B-C50C-407E-A947-70E740481C1C}">
+                <a14:useLocalDpi xmlns:a14="http://schemas.microsoft.com/office/drawing/2010/main" val="0"/>
+              </a:ext>
+            </a:extLst>
+          </a:blip>
+          <a:srcRect/>
+          <a:stretch>
+            <a:fillRect/>
+          </a:stretch>
+        </p:blipFill>
+        <p:spPr bwMode="auto">
+          <a:xfrm>
+            <a:off x="2223346" y="1772816"/>
+            <a:ext cx="229036" cy="229036"/>
+          </a:xfrm>
+          <a:prstGeom prst="rect">
+            <a:avLst/>
+          </a:prstGeom>
+          <a:noFill/>
+          <a:extLst>
+            <a:ext uri="{909E8E84-426E-40DD-AFC4-6F175D3DCCD1}">
+              <a14:hiddenFill xmlns:a14="http://schemas.microsoft.com/office/drawing/2010/main">
+                <a:solidFill>
+                  <a:srgbClr val="FFFFFF"/>
+                </a:solidFill>
+              </a14:hiddenFill>
+            </a:ext>
+          </a:extLst>
+        </p:spPr>
+      </p:pic>
+      <p:sp>
+        <p:nvSpPr>
+          <p:cNvPr id="10" name="Стрелка вправо 9"/>
+          <p:cNvSpPr/>
+          <p:nvPr/>
+        </p:nvSpPr>
+        <p:spPr>
+          <a:xfrm>
+            <a:off x="3491880" y="3486831"/>
+            <a:ext cx="1801957" cy="108504"/>
+          </a:xfrm>
+          <a:prstGeom prst="rightArrow">
+            <a:avLst/>
+          </a:prstGeom>
+          <a:solidFill>
+            <a:schemeClr val="bg1"/>
+          </a:solidFill>
+          <a:ln>
+            <a:solidFill>
+              <a:schemeClr val="bg1"/>
+            </a:solidFill>
+          </a:ln>
+        </p:spPr>
+        <p:style>
+          <a:lnRef idx="2">
+            <a:schemeClr val="accent1">
+              <a:shade val="50000"/>
+            </a:schemeClr>
+          </a:lnRef>
+          <a:fillRef idx="1">
+            <a:schemeClr val="accent1"/>
+          </a:fillRef>
+          <a:effectRef idx="0">
+            <a:schemeClr val="accent1"/>
+          </a:effectRef>
+          <a:fontRef idx="minor">
+            <a:schemeClr val="lt1"/>
+          </a:fontRef>
+        </p:style>
+        <p:txBody>
+          <a:bodyPr rtlCol="0" anchor="ctr"/>
+          <a:lstStyle/>
+          <a:p>
+            <a:pPr algn="ctr"/>
+            <a:endParaRPr lang="ru-RU"/>
+          </a:p>
+        </p:txBody>
+      </p:sp>
+      <p:sp>
+        <p:nvSpPr>
           <p:cNvPr id="16" name="TextBox 15"/>
           <p:cNvSpPr txBox="1"/>
           <p:nvPr/>
@@ -11530,7 +12190,7 @@
 </p:sld>
 </file>
 
-<file path=ppt/slides/slide22.xml><?xml version="1.0" encoding="utf-8"?>
+<file path=ppt/slides/slide25.xml><?xml version="1.0" encoding="utf-8"?>
 <p:sld xmlns:a="http://schemas.openxmlformats.org/drawingml/2006/main" xmlns:r="http://schemas.openxmlformats.org/officeDocument/2006/relationships" xmlns:p="http://schemas.openxmlformats.org/presentationml/2006/main">
   <p:cSld>
     <p:spTree>
@@ -12362,7 +13022,7 @@
 </p:sld>
 </file>
 
-<file path=ppt/slides/slide23.xml><?xml version="1.0" encoding="utf-8"?>
+<file path=ppt/slides/slide26.xml><?xml version="1.0" encoding="utf-8"?>
 <p:sld xmlns:a="http://schemas.openxmlformats.org/drawingml/2006/main" xmlns:r="http://schemas.openxmlformats.org/officeDocument/2006/relationships" xmlns:p="http://schemas.openxmlformats.org/presentationml/2006/main">
   <p:cSld>
     <p:spTree>
@@ -13120,7 +13780,7 @@
 </p:sld>
 </file>
 
-<file path=ppt/slides/slide24.xml><?xml version="1.0" encoding="utf-8"?>
+<file path=ppt/slides/slide27.xml><?xml version="1.0" encoding="utf-8"?>
 <p:sld xmlns:a="http://schemas.openxmlformats.org/drawingml/2006/main" xmlns:r="http://schemas.openxmlformats.org/officeDocument/2006/relationships" xmlns:p="http://schemas.openxmlformats.org/presentationml/2006/main">
   <p:cSld>
     <p:spTree>
